--- a/Präsentation/fuchs_florian_abschlusspraesentation_ma.pptx
+++ b/Präsentation/fuchs_florian_abschlusspraesentation_ma.pptx
@@ -2180,7 +2180,7 @@
             <a:fld id="{350B7780-B50B-474C-85C6-0B4009B6F014}" type="datetimeFigureOut">
               <a:rPr lang="de-DE" smtClean="0"/>
               <a:pPr/>
-              <a:t>14.12.2017</a:t>
+              <a:t>17.12.2017</a:t>
             </a:fld>
             <a:endParaRPr lang="de-DE" dirty="0"/>
           </a:p>
@@ -2347,7 +2347,7 @@
             <a:fld id="{19FFB102-D3AF-431C-A902-ADE5B2A48608}" type="datetimeFigureOut">
               <a:rPr lang="de-DE" smtClean="0"/>
               <a:pPr/>
-              <a:t>14.12.2017</a:t>
+              <a:t>17.12.2017</a:t>
             </a:fld>
             <a:endParaRPr lang="de-DE" dirty="0"/>
           </a:p>
@@ -2660,7 +2660,7 @@
             <a:fld id="{1BA50D42-C9CD-4801-B293-61D1F53EC57E}" type="datetimeFigureOut">
               <a:rPr lang="de-DE" smtClean="0"/>
               <a:pPr/>
-              <a:t>14.12.2017</a:t>
+              <a:t>17.12.2017</a:t>
             </a:fld>
             <a:endParaRPr lang="de-DE" dirty="0"/>
           </a:p>
@@ -3498,7 +3498,7 @@
             <a:fld id="{D1079B7C-F96D-4F65-BAF5-F4DDF61123ED}" type="datetimeFigureOut">
               <a:rPr lang="de-DE" smtClean="0"/>
               <a:pPr/>
-              <a:t>14.12.2017</a:t>
+              <a:t>17.12.2017</a:t>
             </a:fld>
             <a:endParaRPr lang="de-DE" dirty="0"/>
           </a:p>
@@ -3612,7 +3612,7 @@
             <a:fld id="{D1079B7C-F96D-4F65-BAF5-F4DDF61123ED}" type="datetimeFigureOut">
               <a:rPr lang="de-DE" smtClean="0"/>
               <a:pPr/>
-              <a:t>14.12.2017</a:t>
+              <a:t>17.12.2017</a:t>
             </a:fld>
             <a:endParaRPr lang="de-DE" dirty="0"/>
           </a:p>
@@ -3957,7 +3957,7 @@
             <a:fld id="{D1079B7C-F96D-4F65-BAF5-F4DDF61123ED}" type="datetimeFigureOut">
               <a:rPr lang="de-DE" smtClean="0"/>
               <a:pPr/>
-              <a:t>14.12.2017</a:t>
+              <a:t>17.12.2017</a:t>
             </a:fld>
             <a:endParaRPr lang="de-DE" dirty="0"/>
           </a:p>
@@ -4206,7 +4206,7 @@
             <a:fld id="{D1079B7C-F96D-4F65-BAF5-F4DDF61123ED}" type="datetimeFigureOut">
               <a:rPr lang="de-DE" smtClean="0"/>
               <a:pPr/>
-              <a:t>14.12.2017</a:t>
+              <a:t>17.12.2017</a:t>
             </a:fld>
             <a:endParaRPr lang="de-DE" dirty="0"/>
           </a:p>
@@ -4371,7 +4371,7 @@
             <a:fld id="{D1079B7C-F96D-4F65-BAF5-F4DDF61123ED}" type="datetimeFigureOut">
               <a:rPr lang="de-DE" smtClean="0"/>
               <a:pPr/>
-              <a:t>14.12.2017</a:t>
+              <a:t>17.12.2017</a:t>
             </a:fld>
             <a:endParaRPr lang="de-DE" dirty="0"/>
           </a:p>
@@ -4546,7 +4546,7 @@
             <a:fld id="{D1079B7C-F96D-4F65-BAF5-F4DDF61123ED}" type="datetimeFigureOut">
               <a:rPr lang="de-DE" smtClean="0"/>
               <a:pPr/>
-              <a:t>14.12.2017</a:t>
+              <a:t>17.12.2017</a:t>
             </a:fld>
             <a:endParaRPr lang="de-DE" dirty="0"/>
           </a:p>
@@ -5494,7 +5494,7 @@
             <a:fld id="{D1079B7C-F96D-4F65-BAF5-F4DDF61123ED}" type="datetimeFigureOut">
               <a:rPr lang="de-DE" smtClean="0"/>
               <a:pPr/>
-              <a:t>14.12.2017</a:t>
+              <a:t>17.12.2017</a:t>
             </a:fld>
             <a:endParaRPr lang="de-DE" dirty="0"/>
           </a:p>
@@ -6023,7 +6023,7 @@
             <a:fld id="{D1079B7C-F96D-4F65-BAF5-F4DDF61123ED}" type="datetimeFigureOut">
               <a:rPr lang="de-DE" smtClean="0"/>
               <a:pPr/>
-              <a:t>14.12.2017</a:t>
+              <a:t>17.12.2017</a:t>
             </a:fld>
             <a:endParaRPr lang="de-DE" dirty="0"/>
           </a:p>
@@ -6305,7 +6305,7 @@
             <a:fld id="{D1079B7C-F96D-4F65-BAF5-F4DDF61123ED}" type="datetimeFigureOut">
               <a:rPr lang="de-DE" smtClean="0"/>
               <a:pPr/>
-              <a:t>14.12.2017</a:t>
+              <a:t>17.12.2017</a:t>
             </a:fld>
             <a:endParaRPr lang="de-DE" dirty="0"/>
           </a:p>
@@ -6501,7 +6501,7 @@
               <a:rPr lang="de-DE" sz="1200" baseline="0" dirty="0">
                 <a:latin typeface="Verdana" pitchFamily="34" charset="0"/>
               </a:rPr>
-              <a:t> von X</a:t>
+              <a:t> von 22</a:t>
             </a:r>
             <a:endParaRPr lang="de-DE" sz="1200" dirty="0">
               <a:latin typeface="Verdana" pitchFamily="34" charset="0"/>
@@ -7001,7 +7001,7 @@
             <a:fld id="{D1079B7C-F96D-4F65-BAF5-F4DDF61123ED}" type="datetimeFigureOut">
               <a:rPr lang="de-DE" smtClean="0"/>
               <a:pPr/>
-              <a:t>14.12.2017</a:t>
+              <a:t>17.12.2017</a:t>
             </a:fld>
             <a:endParaRPr lang="de-DE" dirty="0"/>
           </a:p>
@@ -18617,7 +18617,7 @@
           <a:p>
             <a:r>
               <a:rPr lang="de-DE" sz="1800" dirty="0"/>
-              <a:t>Die definierten Metriken weisen auf einen Komplexitäts-Anstieg in der Musik der Beatles hin</a:t>
+              <a:t>Die Ergebnisse weisen hinsichtlich der definierten Metriken auf einen Komplexitäts-Anstieg in der Musik der Beatles hin</a:t>
             </a:r>
           </a:p>
           <a:p>
@@ -18644,7 +18644,7 @@
           <a:p>
             <a:r>
               <a:rPr lang="de-DE" sz="1800" dirty="0"/>
-              <a:t>Kein genereller Komplexitäts-Anstieg bei allen Liedern, sondern mehr „komplexe Ausreißer“ ab 1967</a:t>
+              <a:t>Kein genereller Komplexitäts-Anstieg bei allen Liedern, sondern höhere Anzahl „komplexer Ausreißer“ ab 1967</a:t>
             </a:r>
           </a:p>
           <a:p>

--- a/Präsentation/fuchs_florian_abschlusspraesentation_ma.pptx
+++ b/Präsentation/fuchs_florian_abschlusspraesentation_ma.pptx
@@ -6,10 +6,10 @@
     <p:sldMasterId id="2147483656" r:id="rId2"/>
   </p:sldMasterIdLst>
   <p:notesMasterIdLst>
-    <p:notesMasterId r:id="rId25"/>
+    <p:notesMasterId r:id="rId26"/>
   </p:notesMasterIdLst>
   <p:handoutMasterIdLst>
-    <p:handoutMasterId r:id="rId26"/>
+    <p:handoutMasterId r:id="rId27"/>
   </p:handoutMasterIdLst>
   <p:sldIdLst>
     <p:sldId id="256" r:id="rId3"/>
@@ -34,6 +34,7 @@
     <p:sldId id="284" r:id="rId22"/>
     <p:sldId id="286" r:id="rId23"/>
     <p:sldId id="289" r:id="rId24"/>
+    <p:sldId id="291" r:id="rId25"/>
   </p:sldIdLst>
   <p:sldSz cx="9144000" cy="6858000" type="screen4x3"/>
   <p:notesSz cx="6858000" cy="9144000"/>
@@ -170,7 +171,7 @@
 </file>
 
 <file path=ppt/charts/chart1.xml><?xml version="1.0" encoding="utf-8"?>
-<c:chartSpace xmlns:c="http://schemas.openxmlformats.org/drawingml/2006/chart" xmlns:a="http://schemas.openxmlformats.org/drawingml/2006/main" xmlns:r="http://schemas.openxmlformats.org/officeDocument/2006/relationships" xmlns:c16r2="http://schemas.microsoft.com/office/drawing/2015/06/chart">
+<c:chartSpace xmlns:c="http://schemas.openxmlformats.org/drawingml/2006/chart" xmlns:a="http://schemas.openxmlformats.org/drawingml/2006/main" xmlns:r="http://schemas.openxmlformats.org/officeDocument/2006/relationships">
   <c:date1904 val="0"/>
   <c:lang val="de-DE"/>
   <c:roundedCorners val="0"/>
@@ -190,10 +191,10 @@
           <c:layoutTarget val="inner"/>
           <c:xMode val="edge"/>
           <c:yMode val="edge"/>
-          <c:x val="3.3359073359073357E-2"/>
-          <c:y val="0.12643678160919541"/>
-          <c:w val="0.93328185328185331"/>
-          <c:h val="0.34398407095664768"/>
+          <c:x val="0.0333590733590734"/>
+          <c:y val="0.126436781609195"/>
+          <c:w val="0.933281853281853"/>
+          <c:h val="0.343984070956648"/>
         </c:manualLayout>
       </c:layout>
       <c:barChart>
@@ -244,12 +245,12 @@
                 <c:formatCode>General</c:formatCode>
                 <c:ptCount val="1"/>
                 <c:pt idx="0">
-                  <c:v>1966</c:v>
+                  <c:v>1966.0</c:v>
                 </c:pt>
               </c:numCache>
             </c:numRef>
           </c:val>
-          <c:extLst>
+          <c:extLst xmlns:c16r2="http://schemas.microsoft.com/office/drawing/2015/06/chart">
             <c:ext xmlns:c16="http://schemas.microsoft.com/office/drawing/2014/chart" uri="{C3380CC4-5D6E-409C-BE32-E72D297353CC}">
               <c16:uniqueId val="{00000000-9BDC-4A5F-A6EF-ED83663A7370}"/>
             </c:ext>
@@ -299,12 +300,12 @@
                 <c:formatCode>General</c:formatCode>
                 <c:ptCount val="1"/>
                 <c:pt idx="0">
-                  <c:v>1</c:v>
+                  <c:v>1.0</c:v>
                 </c:pt>
               </c:numCache>
             </c:numRef>
           </c:val>
-          <c:extLst>
+          <c:extLst xmlns:c16r2="http://schemas.microsoft.com/office/drawing/2015/06/chart">
             <c:ext xmlns:c16="http://schemas.microsoft.com/office/drawing/2014/chart" uri="{C3380CC4-5D6E-409C-BE32-E72D297353CC}">
               <c16:uniqueId val="{00000001-9BDC-4A5F-A6EF-ED83663A7370}"/>
             </c:ext>
@@ -354,12 +355,12 @@
                 <c:formatCode>General</c:formatCode>
                 <c:ptCount val="1"/>
                 <c:pt idx="0">
-                  <c:v>2</c:v>
+                  <c:v>2.0</c:v>
                 </c:pt>
               </c:numCache>
             </c:numRef>
           </c:val>
-          <c:extLst>
+          <c:extLst xmlns:c16r2="http://schemas.microsoft.com/office/drawing/2015/06/chart">
             <c:ext xmlns:c16="http://schemas.microsoft.com/office/drawing/2014/chart" uri="{C3380CC4-5D6E-409C-BE32-E72D297353CC}">
               <c16:uniqueId val="{00000002-9BDC-4A5F-A6EF-ED83663A7370}"/>
             </c:ext>
@@ -409,12 +410,12 @@
                 <c:formatCode>General</c:formatCode>
                 <c:ptCount val="1"/>
                 <c:pt idx="0">
-                  <c:v>1</c:v>
+                  <c:v>1.0</c:v>
                 </c:pt>
               </c:numCache>
             </c:numRef>
           </c:val>
-          <c:extLst>
+          <c:extLst xmlns:c16r2="http://schemas.microsoft.com/office/drawing/2015/06/chart">
             <c:ext xmlns:c16="http://schemas.microsoft.com/office/drawing/2014/chart" uri="{C3380CC4-5D6E-409C-BE32-E72D297353CC}">
               <c16:uniqueId val="{00000003-9BDC-4A5F-A6EF-ED83663A7370}"/>
             </c:ext>
@@ -430,11 +431,11 @@
         </c:dLbls>
         <c:gapWidth val="150"/>
         <c:overlap val="100"/>
-        <c:axId val="1946064592"/>
-        <c:axId val="1955257264"/>
+        <c:axId val="873575568"/>
+        <c:axId val="787068880"/>
       </c:barChart>
       <c:catAx>
-        <c:axId val="1946064592"/>
+        <c:axId val="873575568"/>
         <c:scaling>
           <c:orientation val="minMax"/>
         </c:scaling>
@@ -444,7 +445,7 @@
         <c:majorTickMark val="none"/>
         <c:minorTickMark val="none"/>
         <c:tickLblPos val="nextTo"/>
-        <c:crossAx val="1955257264"/>
+        <c:crossAx val="787068880"/>
         <c:crosses val="autoZero"/>
         <c:auto val="1"/>
         <c:lblAlgn val="ctr"/>
@@ -452,11 +453,11 @@
         <c:noMultiLvlLbl val="0"/>
       </c:catAx>
       <c:valAx>
-        <c:axId val="1955257264"/>
+        <c:axId val="787068880"/>
         <c:scaling>
           <c:orientation val="minMax"/>
-          <c:max val="1970"/>
-          <c:min val="1963"/>
+          <c:max val="1970.0"/>
+          <c:min val="1963.0"/>
         </c:scaling>
         <c:delete val="0"/>
         <c:axPos val="b"/>
@@ -505,7 +506,7 @@
             <a:endParaRPr lang="de-DE"/>
           </a:p>
         </c:txPr>
-        <c:crossAx val="1946064592"/>
+        <c:crossAx val="873575568"/>
         <c:crosses val="autoZero"/>
         <c:crossBetween val="between"/>
       </c:valAx>
@@ -523,10 +524,10 @@
         <c:manualLayout>
           <c:xMode val="edge"/>
           <c:yMode val="edge"/>
-          <c:x val="7.046403004153072E-2"/>
-          <c:y val="0.74718924179421398"/>
-          <c:w val="0.85907173845817564"/>
-          <c:h val="0.25281075820578608"/>
+          <c:x val="0.0704640300415307"/>
+          <c:y val="0.747189241794214"/>
+          <c:w val="0.859071738458176"/>
+          <c:h val="0.252810758205786"/>
         </c:manualLayout>
       </c:layout>
       <c:overlay val="0"/>
@@ -589,7 +590,7 @@
 </file>
 
 <file path=ppt/charts/chart2.xml><?xml version="1.0" encoding="utf-8"?>
-<c:chartSpace xmlns:c="http://schemas.openxmlformats.org/drawingml/2006/chart" xmlns:a="http://schemas.openxmlformats.org/drawingml/2006/main" xmlns:r="http://schemas.openxmlformats.org/officeDocument/2006/relationships" xmlns:c16r2="http://schemas.microsoft.com/office/drawing/2015/06/chart">
+<c:chartSpace xmlns:c="http://schemas.openxmlformats.org/drawingml/2006/chart" xmlns:a="http://schemas.openxmlformats.org/drawingml/2006/main" xmlns:r="http://schemas.openxmlformats.org/officeDocument/2006/relationships">
   <c:date1904 val="0"/>
   <c:lang val="de-DE"/>
   <c:roundedCorners val="0"/>
@@ -609,10 +610,10 @@
           <c:layoutTarget val="inner"/>
           <c:xMode val="edge"/>
           <c:yMode val="edge"/>
-          <c:x val="3.3359073359073357E-2"/>
-          <c:y val="0.12643678160919541"/>
-          <c:w val="0.93328185328185331"/>
-          <c:h val="0.34398407095664768"/>
+          <c:x val="0.0333590733590734"/>
+          <c:y val="0.126436781609195"/>
+          <c:w val="0.933281853281853"/>
+          <c:h val="0.343984070956648"/>
         </c:manualLayout>
       </c:layout>
       <c:barChart>
@@ -663,12 +664,12 @@
                 <c:formatCode>General</c:formatCode>
                 <c:ptCount val="1"/>
                 <c:pt idx="0">
-                  <c:v>1966</c:v>
+                  <c:v>1966.0</c:v>
                 </c:pt>
               </c:numCache>
             </c:numRef>
           </c:val>
-          <c:extLst>
+          <c:extLst xmlns:c16r2="http://schemas.microsoft.com/office/drawing/2015/06/chart">
             <c:ext xmlns:c16="http://schemas.microsoft.com/office/drawing/2014/chart" uri="{C3380CC4-5D6E-409C-BE32-E72D297353CC}">
               <c16:uniqueId val="{00000000-A472-45BB-B4EE-3C28EDDC3BE9}"/>
             </c:ext>
@@ -718,12 +719,12 @@
                 <c:formatCode>General</c:formatCode>
                 <c:ptCount val="1"/>
                 <c:pt idx="0">
-                  <c:v>1</c:v>
+                  <c:v>1.0</c:v>
                 </c:pt>
               </c:numCache>
             </c:numRef>
           </c:val>
-          <c:extLst>
+          <c:extLst xmlns:c16r2="http://schemas.microsoft.com/office/drawing/2015/06/chart">
             <c:ext xmlns:c16="http://schemas.microsoft.com/office/drawing/2014/chart" uri="{C3380CC4-5D6E-409C-BE32-E72D297353CC}">
               <c16:uniqueId val="{00000001-A472-45BB-B4EE-3C28EDDC3BE9}"/>
             </c:ext>
@@ -773,12 +774,12 @@
                 <c:formatCode>General</c:formatCode>
                 <c:ptCount val="1"/>
                 <c:pt idx="0">
-                  <c:v>2</c:v>
+                  <c:v>2.0</c:v>
                 </c:pt>
               </c:numCache>
             </c:numRef>
           </c:val>
-          <c:extLst>
+          <c:extLst xmlns:c16r2="http://schemas.microsoft.com/office/drawing/2015/06/chart">
             <c:ext xmlns:c16="http://schemas.microsoft.com/office/drawing/2014/chart" uri="{C3380CC4-5D6E-409C-BE32-E72D297353CC}">
               <c16:uniqueId val="{00000002-A472-45BB-B4EE-3C28EDDC3BE9}"/>
             </c:ext>
@@ -828,12 +829,12 @@
                 <c:formatCode>General</c:formatCode>
                 <c:ptCount val="1"/>
                 <c:pt idx="0">
-                  <c:v>1</c:v>
+                  <c:v>1.0</c:v>
                 </c:pt>
               </c:numCache>
             </c:numRef>
           </c:val>
-          <c:extLst>
+          <c:extLst xmlns:c16r2="http://schemas.microsoft.com/office/drawing/2015/06/chart">
             <c:ext xmlns:c16="http://schemas.microsoft.com/office/drawing/2014/chart" uri="{C3380CC4-5D6E-409C-BE32-E72D297353CC}">
               <c16:uniqueId val="{00000003-A472-45BB-B4EE-3C28EDDC3BE9}"/>
             </c:ext>
@@ -849,11 +850,11 @@
         </c:dLbls>
         <c:gapWidth val="150"/>
         <c:overlap val="100"/>
-        <c:axId val="1946064592"/>
-        <c:axId val="1955257264"/>
+        <c:axId val="787184992"/>
+        <c:axId val="787187280"/>
       </c:barChart>
       <c:catAx>
-        <c:axId val="1946064592"/>
+        <c:axId val="787184992"/>
         <c:scaling>
           <c:orientation val="minMax"/>
         </c:scaling>
@@ -863,7 +864,7 @@
         <c:majorTickMark val="none"/>
         <c:minorTickMark val="none"/>
         <c:tickLblPos val="nextTo"/>
-        <c:crossAx val="1955257264"/>
+        <c:crossAx val="787187280"/>
         <c:crosses val="autoZero"/>
         <c:auto val="1"/>
         <c:lblAlgn val="ctr"/>
@@ -871,11 +872,11 @@
         <c:noMultiLvlLbl val="0"/>
       </c:catAx>
       <c:valAx>
-        <c:axId val="1955257264"/>
+        <c:axId val="787187280"/>
         <c:scaling>
           <c:orientation val="minMax"/>
-          <c:max val="1970"/>
-          <c:min val="1963"/>
+          <c:max val="1970.0"/>
+          <c:min val="1963.0"/>
         </c:scaling>
         <c:delete val="0"/>
         <c:axPos val="b"/>
@@ -924,7 +925,7 @@
             <a:endParaRPr lang="de-DE"/>
           </a:p>
         </c:txPr>
-        <c:crossAx val="1946064592"/>
+        <c:crossAx val="787184992"/>
         <c:crosses val="autoZero"/>
         <c:crossBetween val="between"/>
       </c:valAx>
@@ -942,10 +943,10 @@
         <c:manualLayout>
           <c:xMode val="edge"/>
           <c:yMode val="edge"/>
-          <c:x val="7.046403004153072E-2"/>
-          <c:y val="0.74718924179421398"/>
-          <c:w val="0.85907173845817564"/>
-          <c:h val="0.25281075820578608"/>
+          <c:x val="0.0704640300415307"/>
+          <c:y val="0.747189241794214"/>
+          <c:w val="0.859071738458176"/>
+          <c:h val="0.252810758205786"/>
         </c:manualLayout>
       </c:layout>
       <c:overlay val="0"/>
@@ -2180,7 +2181,7 @@
             <a:fld id="{350B7780-B50B-474C-85C6-0B4009B6F014}" type="datetimeFigureOut">
               <a:rPr lang="de-DE" smtClean="0"/>
               <a:pPr/>
-              <a:t>17.12.2017</a:t>
+              <a:t>18.12.17</a:t>
             </a:fld>
             <a:endParaRPr lang="de-DE" dirty="0"/>
           </a:p>
@@ -2347,7 +2348,7 @@
             <a:fld id="{19FFB102-D3AF-431C-A902-ADE5B2A48608}" type="datetimeFigureOut">
               <a:rPr lang="de-DE" smtClean="0"/>
               <a:pPr/>
-              <a:t>17.12.2017</a:t>
+              <a:t>18.12.17</a:t>
             </a:fld>
             <a:endParaRPr lang="de-DE" dirty="0"/>
           </a:p>
@@ -2660,7 +2661,7 @@
             <a:fld id="{1BA50D42-C9CD-4801-B293-61D1F53EC57E}" type="datetimeFigureOut">
               <a:rPr lang="de-DE" smtClean="0"/>
               <a:pPr/>
-              <a:t>17.12.2017</a:t>
+              <a:t>18.12.17</a:t>
             </a:fld>
             <a:endParaRPr lang="de-DE" dirty="0"/>
           </a:p>
@@ -3061,10 +3062,16 @@
               <a:defRPr/>
             </a:pPr>
             <a:r>
+              <a:rPr lang="de-DE" dirty="0" smtClean="0">
+                <a:latin typeface="+mn-lt"/>
+              </a:rPr>
+              <a:t>18. Dezember 2017</a:t>
+            </a:r>
+            <a:r>
               <a:rPr lang="de-DE" dirty="0">
                 <a:latin typeface="+mn-lt"/>
               </a:rPr>
-              <a:t>Florian Fuchs</a:t>
+              <a:t/>
             </a:r>
             <a:br>
               <a:rPr lang="de-DE" dirty="0">
@@ -3072,16 +3079,16 @@
               </a:rPr>
             </a:br>
             <a:r>
-              <a:rPr lang="de-DE" dirty="0">
+              <a:rPr lang="de-DE" dirty="0" smtClean="0">
                 <a:latin typeface="+mn-lt"/>
               </a:rPr>
-              <a:t>Lehrstuhl</a:t>
-            </a:r>
-            <a:r>
-              <a:rPr lang="de-DE" baseline="0" dirty="0">
+              <a:t>Abschlussvortrag </a:t>
+            </a:r>
+            <a:r>
+              <a:rPr lang="de-DE" dirty="0" smtClean="0">
                 <a:latin typeface="+mn-lt"/>
               </a:rPr>
-              <a:t> für Medieninformatik</a:t>
+              <a:t>Masterarbeit</a:t>
             </a:r>
             <a:endParaRPr lang="de-DE" dirty="0">
               <a:latin typeface="+mn-lt"/>
@@ -3498,7 +3505,7 @@
             <a:fld id="{D1079B7C-F96D-4F65-BAF5-F4DDF61123ED}" type="datetimeFigureOut">
               <a:rPr lang="de-DE" smtClean="0"/>
               <a:pPr/>
-              <a:t>17.12.2017</a:t>
+              <a:t>18.12.17</a:t>
             </a:fld>
             <a:endParaRPr lang="de-DE" dirty="0"/>
           </a:p>
@@ -3612,7 +3619,7 @@
             <a:fld id="{D1079B7C-F96D-4F65-BAF5-F4DDF61123ED}" type="datetimeFigureOut">
               <a:rPr lang="de-DE" smtClean="0"/>
               <a:pPr/>
-              <a:t>17.12.2017</a:t>
+              <a:t>18.12.17</a:t>
             </a:fld>
             <a:endParaRPr lang="de-DE" dirty="0"/>
           </a:p>
@@ -3957,7 +3964,7 @@
             <a:fld id="{D1079B7C-F96D-4F65-BAF5-F4DDF61123ED}" type="datetimeFigureOut">
               <a:rPr lang="de-DE" smtClean="0"/>
               <a:pPr/>
-              <a:t>17.12.2017</a:t>
+              <a:t>18.12.17</a:t>
             </a:fld>
             <a:endParaRPr lang="de-DE" dirty="0"/>
           </a:p>
@@ -4206,7 +4213,7 @@
             <a:fld id="{D1079B7C-F96D-4F65-BAF5-F4DDF61123ED}" type="datetimeFigureOut">
               <a:rPr lang="de-DE" smtClean="0"/>
               <a:pPr/>
-              <a:t>17.12.2017</a:t>
+              <a:t>18.12.17</a:t>
             </a:fld>
             <a:endParaRPr lang="de-DE" dirty="0"/>
           </a:p>
@@ -4371,7 +4378,7 @@
             <a:fld id="{D1079B7C-F96D-4F65-BAF5-F4DDF61123ED}" type="datetimeFigureOut">
               <a:rPr lang="de-DE" smtClean="0"/>
               <a:pPr/>
-              <a:t>17.12.2017</a:t>
+              <a:t>18.12.17</a:t>
             </a:fld>
             <a:endParaRPr lang="de-DE" dirty="0"/>
           </a:p>
@@ -4546,7 +4553,7 @@
             <a:fld id="{D1079B7C-F96D-4F65-BAF5-F4DDF61123ED}" type="datetimeFigureOut">
               <a:rPr lang="de-DE" smtClean="0"/>
               <a:pPr/>
-              <a:t>17.12.2017</a:t>
+              <a:t>18.12.17</a:t>
             </a:fld>
             <a:endParaRPr lang="de-DE" dirty="0"/>
           </a:p>
@@ -5494,7 +5501,7 @@
             <a:fld id="{D1079B7C-F96D-4F65-BAF5-F4DDF61123ED}" type="datetimeFigureOut">
               <a:rPr lang="de-DE" smtClean="0"/>
               <a:pPr/>
-              <a:t>17.12.2017</a:t>
+              <a:t>18.12.17</a:t>
             </a:fld>
             <a:endParaRPr lang="de-DE" dirty="0"/>
           </a:p>
@@ -6023,7 +6030,7 @@
             <a:fld id="{D1079B7C-F96D-4F65-BAF5-F4DDF61123ED}" type="datetimeFigureOut">
               <a:rPr lang="de-DE" smtClean="0"/>
               <a:pPr/>
-              <a:t>17.12.2017</a:t>
+              <a:t>18.12.17</a:t>
             </a:fld>
             <a:endParaRPr lang="de-DE" dirty="0"/>
           </a:p>
@@ -6305,7 +6312,7 @@
             <a:fld id="{D1079B7C-F96D-4F65-BAF5-F4DDF61123ED}" type="datetimeFigureOut">
               <a:rPr lang="de-DE" smtClean="0"/>
               <a:pPr/>
-              <a:t>17.12.2017</a:t>
+              <a:t>18.12.17</a:t>
             </a:fld>
             <a:endParaRPr lang="de-DE" dirty="0"/>
           </a:p>
@@ -6501,7 +6508,13 @@
               <a:rPr lang="de-DE" sz="1200" baseline="0" dirty="0">
                 <a:latin typeface="Verdana" pitchFamily="34" charset="0"/>
               </a:rPr>
-              <a:t> von 22</a:t>
+              <a:t> von </a:t>
+            </a:r>
+            <a:r>
+              <a:rPr lang="de-DE" sz="1200" baseline="0" dirty="0" smtClean="0">
+                <a:latin typeface="Verdana" pitchFamily="34" charset="0"/>
+              </a:rPr>
+              <a:t>23						Florian Fuchs</a:t>
             </a:r>
             <a:endParaRPr lang="de-DE" sz="1200" dirty="0">
               <a:latin typeface="Verdana" pitchFamily="34" charset="0"/>
@@ -7001,7 +7014,7 @@
             <a:fld id="{D1079B7C-F96D-4F65-BAF5-F4DDF61123ED}" type="datetimeFigureOut">
               <a:rPr lang="de-DE" smtClean="0"/>
               <a:pPr/>
-              <a:t>17.12.2017</a:t>
+              <a:t>18.12.17</a:t>
             </a:fld>
             <a:endParaRPr lang="de-DE" dirty="0"/>
           </a:p>
@@ -7450,6 +7463,13 @@
   <p:clrMapOvr>
     <a:masterClrMapping/>
   </p:clrMapOvr>
+  <p:timing>
+    <p:tnLst>
+      <p:par>
+        <p:cTn id="1" dur="indefinite" restart="never" nodeType="tmRoot"/>
+      </p:par>
+    </p:tnLst>
+  </p:timing>
 </p:sld>
 </file>
 
@@ -7475,7 +7495,7 @@
           <p:cNvPr id="2" name="Titel 1">
             <a:extLst>
               <a:ext uri="{FF2B5EF4-FFF2-40B4-BE49-F238E27FC236}">
-                <a16:creationId xmlns:a16="http://schemas.microsoft.com/office/drawing/2014/main" id="{57DA0802-E0DE-4535-880D-8C76AF65F71B}"/>
+                <a16:creationId xmlns="" xmlns:a16="http://schemas.microsoft.com/office/drawing/2014/main" id="{57DA0802-E0DE-4535-880D-8C76AF65F71B}"/>
               </a:ext>
             </a:extLst>
           </p:cNvPr>
@@ -7503,7 +7523,7 @@
           <p:cNvPr id="3" name="Inhaltsplatzhalter 2">
             <a:extLst>
               <a:ext uri="{FF2B5EF4-FFF2-40B4-BE49-F238E27FC236}">
-                <a16:creationId xmlns:a16="http://schemas.microsoft.com/office/drawing/2014/main" id="{486023AF-A799-440D-AA5B-7E5716C772A3}"/>
+                <a16:creationId xmlns="" xmlns:a16="http://schemas.microsoft.com/office/drawing/2014/main" id="{486023AF-A799-440D-AA5B-7E5716C772A3}"/>
               </a:ext>
             </a:extLst>
           </p:cNvPr>
@@ -7565,7 +7585,7 @@
           <p:cNvPr id="4" name="Tabelle 3">
             <a:extLst>
               <a:ext uri="{FF2B5EF4-FFF2-40B4-BE49-F238E27FC236}">
-                <a16:creationId xmlns:a16="http://schemas.microsoft.com/office/drawing/2014/main" id="{6BA0B282-AB32-46BB-9168-574D8B7451EE}"/>
+                <a16:creationId xmlns="" xmlns:a16="http://schemas.microsoft.com/office/drawing/2014/main" id="{6BA0B282-AB32-46BB-9168-574D8B7451EE}"/>
               </a:ext>
             </a:extLst>
           </p:cNvPr>
@@ -7594,91 +7614,91 @@
                 <a:gridCol w="722422">
                   <a:extLst>
                     <a:ext uri="{9D8B030D-6E8A-4147-A177-3AD203B41FA5}">
-                      <a16:colId xmlns:a16="http://schemas.microsoft.com/office/drawing/2014/main" val="3308551322"/>
+                      <a16:colId xmlns="" xmlns:a16="http://schemas.microsoft.com/office/drawing/2014/main" val="3308551322"/>
                     </a:ext>
                   </a:extLst>
                 </a:gridCol>
                 <a:gridCol w="478051">
                   <a:extLst>
                     <a:ext uri="{9D8B030D-6E8A-4147-A177-3AD203B41FA5}">
-                      <a16:colId xmlns:a16="http://schemas.microsoft.com/office/drawing/2014/main" val="3134008554"/>
+                      <a16:colId xmlns="" xmlns:a16="http://schemas.microsoft.com/office/drawing/2014/main" val="3134008554"/>
                     </a:ext>
                   </a:extLst>
                 </a:gridCol>
                 <a:gridCol w="544732">
                   <a:extLst>
                     <a:ext uri="{9D8B030D-6E8A-4147-A177-3AD203B41FA5}">
-                      <a16:colId xmlns:a16="http://schemas.microsoft.com/office/drawing/2014/main" val="1827086998"/>
+                      <a16:colId xmlns="" xmlns:a16="http://schemas.microsoft.com/office/drawing/2014/main" val="1827086998"/>
                     </a:ext>
                   </a:extLst>
                 </a:gridCol>
                 <a:gridCol w="540767">
                   <a:extLst>
                     <a:ext uri="{9D8B030D-6E8A-4147-A177-3AD203B41FA5}">
-                      <a16:colId xmlns:a16="http://schemas.microsoft.com/office/drawing/2014/main" val="241205195"/>
+                      <a16:colId xmlns="" xmlns:a16="http://schemas.microsoft.com/office/drawing/2014/main" val="241205195"/>
                     </a:ext>
                   </a:extLst>
                 </a:gridCol>
                 <a:gridCol w="545525">
                   <a:extLst>
                     <a:ext uri="{9D8B030D-6E8A-4147-A177-3AD203B41FA5}">
-                      <a16:colId xmlns:a16="http://schemas.microsoft.com/office/drawing/2014/main" val="774871698"/>
+                      <a16:colId xmlns="" xmlns:a16="http://schemas.microsoft.com/office/drawing/2014/main" val="774871698"/>
                     </a:ext>
                   </a:extLst>
                 </a:gridCol>
                 <a:gridCol w="543146">
                   <a:extLst>
                     <a:ext uri="{9D8B030D-6E8A-4147-A177-3AD203B41FA5}">
-                      <a16:colId xmlns:a16="http://schemas.microsoft.com/office/drawing/2014/main" val="1726962244"/>
+                      <a16:colId xmlns="" xmlns:a16="http://schemas.microsoft.com/office/drawing/2014/main" val="1726962244"/>
                     </a:ext>
                   </a:extLst>
                 </a:gridCol>
                 <a:gridCol w="543146">
                   <a:extLst>
                     <a:ext uri="{9D8B030D-6E8A-4147-A177-3AD203B41FA5}">
-                      <a16:colId xmlns:a16="http://schemas.microsoft.com/office/drawing/2014/main" val="3853698681"/>
+                      <a16:colId xmlns="" xmlns:a16="http://schemas.microsoft.com/office/drawing/2014/main" val="3853698681"/>
                     </a:ext>
                   </a:extLst>
                 </a:gridCol>
                 <a:gridCol w="547111">
                   <a:extLst>
                     <a:ext uri="{9D8B030D-6E8A-4147-A177-3AD203B41FA5}">
-                      <a16:colId xmlns:a16="http://schemas.microsoft.com/office/drawing/2014/main" val="3649978295"/>
+                      <a16:colId xmlns="" xmlns:a16="http://schemas.microsoft.com/office/drawing/2014/main" val="3649978295"/>
                     </a:ext>
                   </a:extLst>
                 </a:gridCol>
                 <a:gridCol w="541560">
                   <a:extLst>
                     <a:ext uri="{9D8B030D-6E8A-4147-A177-3AD203B41FA5}">
-                      <a16:colId xmlns:a16="http://schemas.microsoft.com/office/drawing/2014/main" val="1630170836"/>
+                      <a16:colId xmlns="" xmlns:a16="http://schemas.microsoft.com/office/drawing/2014/main" val="1630170836"/>
                     </a:ext>
                   </a:extLst>
                 </a:gridCol>
                 <a:gridCol w="546318">
                   <a:extLst>
                     <a:ext uri="{9D8B030D-6E8A-4147-A177-3AD203B41FA5}">
-                      <a16:colId xmlns:a16="http://schemas.microsoft.com/office/drawing/2014/main" val="1720180841"/>
+                      <a16:colId xmlns="" xmlns:a16="http://schemas.microsoft.com/office/drawing/2014/main" val="1720180841"/>
                     </a:ext>
                   </a:extLst>
                 </a:gridCol>
                 <a:gridCol w="543146">
                   <a:extLst>
                     <a:ext uri="{9D8B030D-6E8A-4147-A177-3AD203B41FA5}">
-                      <a16:colId xmlns:a16="http://schemas.microsoft.com/office/drawing/2014/main" val="684798917"/>
+                      <a16:colId xmlns="" xmlns:a16="http://schemas.microsoft.com/office/drawing/2014/main" val="684798917"/>
                     </a:ext>
                   </a:extLst>
                 </a:gridCol>
                 <a:gridCol w="547111">
                   <a:extLst>
                     <a:ext uri="{9D8B030D-6E8A-4147-A177-3AD203B41FA5}">
-                      <a16:colId xmlns:a16="http://schemas.microsoft.com/office/drawing/2014/main" val="4270760959"/>
+                      <a16:colId xmlns="" xmlns:a16="http://schemas.microsoft.com/office/drawing/2014/main" val="4270760959"/>
                     </a:ext>
                   </a:extLst>
                 </a:gridCol>
                 <a:gridCol w="545525">
                   <a:extLst>
                     <a:ext uri="{9D8B030D-6E8A-4147-A177-3AD203B41FA5}">
-                      <a16:colId xmlns:a16="http://schemas.microsoft.com/office/drawing/2014/main" val="3980920081"/>
+                      <a16:colId xmlns="" xmlns:a16="http://schemas.microsoft.com/office/drawing/2014/main" val="3980920081"/>
                     </a:ext>
                   </a:extLst>
                 </a:gridCol>
@@ -8475,7 +8495,7 @@
                 </a:tc>
                 <a:extLst>
                   <a:ext uri="{0D108BD9-81ED-4DB2-BD59-A6C34878D82A}">
-                    <a16:rowId xmlns:a16="http://schemas.microsoft.com/office/drawing/2014/main" val="3790243932"/>
+                    <a16:rowId xmlns="" xmlns:a16="http://schemas.microsoft.com/office/drawing/2014/main" val="3790243932"/>
                   </a:ext>
                 </a:extLst>
               </a:tr>
@@ -9322,7 +9342,7 @@
                 </a:tc>
                 <a:extLst>
                   <a:ext uri="{0D108BD9-81ED-4DB2-BD59-A6C34878D82A}">
-                    <a16:rowId xmlns:a16="http://schemas.microsoft.com/office/drawing/2014/main" val="2809642108"/>
+                    <a16:rowId xmlns="" xmlns:a16="http://schemas.microsoft.com/office/drawing/2014/main" val="2809642108"/>
                   </a:ext>
                 </a:extLst>
               </a:tr>
@@ -9873,7 +9893,7 @@
                 </a:tc>
                 <a:extLst>
                   <a:ext uri="{0D108BD9-81ED-4DB2-BD59-A6C34878D82A}">
-                    <a16:rowId xmlns:a16="http://schemas.microsoft.com/office/drawing/2014/main" val="1700947302"/>
+                    <a16:rowId xmlns="" xmlns:a16="http://schemas.microsoft.com/office/drawing/2014/main" val="1700947302"/>
                   </a:ext>
                 </a:extLst>
               </a:tr>
@@ -9886,7 +9906,7 @@
           <p:cNvPr id="6" name="Tabelle 5">
             <a:extLst>
               <a:ext uri="{FF2B5EF4-FFF2-40B4-BE49-F238E27FC236}">
-                <a16:creationId xmlns:a16="http://schemas.microsoft.com/office/drawing/2014/main" id="{DEAA2DF6-F564-4EAF-8F87-2BEEDE5C9E73}"/>
+                <a16:creationId xmlns="" xmlns:a16="http://schemas.microsoft.com/office/drawing/2014/main" id="{DEAA2DF6-F564-4EAF-8F87-2BEEDE5C9E73}"/>
               </a:ext>
             </a:extLst>
           </p:cNvPr>
@@ -9915,14 +9935,14 @@
                 <a:gridCol w="1226478">
                   <a:extLst>
                     <a:ext uri="{9D8B030D-6E8A-4147-A177-3AD203B41FA5}">
-                      <a16:colId xmlns:a16="http://schemas.microsoft.com/office/drawing/2014/main" val="3141790160"/>
+                      <a16:colId xmlns="" xmlns:a16="http://schemas.microsoft.com/office/drawing/2014/main" val="3141790160"/>
                     </a:ext>
                   </a:extLst>
                 </a:gridCol>
                 <a:gridCol w="5962082">
                   <a:extLst>
                     <a:ext uri="{9D8B030D-6E8A-4147-A177-3AD203B41FA5}">
-                      <a16:colId xmlns:a16="http://schemas.microsoft.com/office/drawing/2014/main" val="2531897785"/>
+                      <a16:colId xmlns="" xmlns:a16="http://schemas.microsoft.com/office/drawing/2014/main" val="2531897785"/>
                     </a:ext>
                   </a:extLst>
                 </a:gridCol>
@@ -10011,7 +10031,7 @@
                 </a:tc>
                 <a:extLst>
                   <a:ext uri="{0D108BD9-81ED-4DB2-BD59-A6C34878D82A}">
-                    <a16:rowId xmlns:a16="http://schemas.microsoft.com/office/drawing/2014/main" val="2952091325"/>
+                    <a16:rowId xmlns="" xmlns:a16="http://schemas.microsoft.com/office/drawing/2014/main" val="2952091325"/>
                   </a:ext>
                 </a:extLst>
               </a:tr>
@@ -10117,7 +10137,7 @@
                 </a:tc>
                 <a:extLst>
                   <a:ext uri="{0D108BD9-81ED-4DB2-BD59-A6C34878D82A}">
-                    <a16:rowId xmlns:a16="http://schemas.microsoft.com/office/drawing/2014/main" val="1803035424"/>
+                    <a16:rowId xmlns="" xmlns:a16="http://schemas.microsoft.com/office/drawing/2014/main" val="1803035424"/>
                   </a:ext>
                 </a:extLst>
               </a:tr>
@@ -10223,7 +10243,7 @@
                 </a:tc>
                 <a:extLst>
                   <a:ext uri="{0D108BD9-81ED-4DB2-BD59-A6C34878D82A}">
-                    <a16:rowId xmlns:a16="http://schemas.microsoft.com/office/drawing/2014/main" val="3669208522"/>
+                    <a16:rowId xmlns="" xmlns:a16="http://schemas.microsoft.com/office/drawing/2014/main" val="3669208522"/>
                   </a:ext>
                 </a:extLst>
               </a:tr>
@@ -10311,7 +10331,7 @@
                 </a:tc>
                 <a:extLst>
                   <a:ext uri="{0D108BD9-81ED-4DB2-BD59-A6C34878D82A}">
-                    <a16:rowId xmlns:a16="http://schemas.microsoft.com/office/drawing/2014/main" val="64154002"/>
+                    <a16:rowId xmlns="" xmlns:a16="http://schemas.microsoft.com/office/drawing/2014/main" val="64154002"/>
                   </a:ext>
                 </a:extLst>
               </a:tr>
@@ -10329,6 +10349,13 @@
   <p:clrMapOvr>
     <a:masterClrMapping/>
   </p:clrMapOvr>
+  <p:timing>
+    <p:tnLst>
+      <p:par>
+        <p:cTn id="1" dur="indefinite" restart="never" nodeType="tmRoot"/>
+      </p:par>
+    </p:tnLst>
+  </p:timing>
 </p:sld>
 </file>
 
@@ -10354,7 +10381,7 @@
           <p:cNvPr id="2" name="Titel 1">
             <a:extLst>
               <a:ext uri="{FF2B5EF4-FFF2-40B4-BE49-F238E27FC236}">
-                <a16:creationId xmlns:a16="http://schemas.microsoft.com/office/drawing/2014/main" id="{57DA0802-E0DE-4535-880D-8C76AF65F71B}"/>
+                <a16:creationId xmlns="" xmlns:a16="http://schemas.microsoft.com/office/drawing/2014/main" id="{57DA0802-E0DE-4535-880D-8C76AF65F71B}"/>
               </a:ext>
             </a:extLst>
           </p:cNvPr>
@@ -10382,7 +10409,7 @@
           <p:cNvPr id="3" name="Inhaltsplatzhalter 2">
             <a:extLst>
               <a:ext uri="{FF2B5EF4-FFF2-40B4-BE49-F238E27FC236}">
-                <a16:creationId xmlns:a16="http://schemas.microsoft.com/office/drawing/2014/main" id="{486023AF-A799-440D-AA5B-7E5716C772A3}"/>
+                <a16:creationId xmlns="" xmlns:a16="http://schemas.microsoft.com/office/drawing/2014/main" id="{486023AF-A799-440D-AA5B-7E5716C772A3}"/>
               </a:ext>
             </a:extLst>
           </p:cNvPr>
@@ -10438,7 +10465,7 @@
           <p:cNvPr id="4" name="Tabelle 3">
             <a:extLst>
               <a:ext uri="{FF2B5EF4-FFF2-40B4-BE49-F238E27FC236}">
-                <a16:creationId xmlns:a16="http://schemas.microsoft.com/office/drawing/2014/main" id="{D1AE6942-0B28-4634-B6A2-2333420CD1FA}"/>
+                <a16:creationId xmlns="" xmlns:a16="http://schemas.microsoft.com/office/drawing/2014/main" id="{D1AE6942-0B28-4634-B6A2-2333420CD1FA}"/>
               </a:ext>
             </a:extLst>
           </p:cNvPr>
@@ -10467,91 +10494,91 @@
                 <a:gridCol w="722422">
                   <a:extLst>
                     <a:ext uri="{9D8B030D-6E8A-4147-A177-3AD203B41FA5}">
-                      <a16:colId xmlns:a16="http://schemas.microsoft.com/office/drawing/2014/main" val="3308551322"/>
+                      <a16:colId xmlns="" xmlns:a16="http://schemas.microsoft.com/office/drawing/2014/main" val="3308551322"/>
                     </a:ext>
                   </a:extLst>
                 </a:gridCol>
                 <a:gridCol w="478051">
                   <a:extLst>
                     <a:ext uri="{9D8B030D-6E8A-4147-A177-3AD203B41FA5}">
-                      <a16:colId xmlns:a16="http://schemas.microsoft.com/office/drawing/2014/main" val="3134008554"/>
+                      <a16:colId xmlns="" xmlns:a16="http://schemas.microsoft.com/office/drawing/2014/main" val="3134008554"/>
                     </a:ext>
                   </a:extLst>
                 </a:gridCol>
                 <a:gridCol w="544732">
                   <a:extLst>
                     <a:ext uri="{9D8B030D-6E8A-4147-A177-3AD203B41FA5}">
-                      <a16:colId xmlns:a16="http://schemas.microsoft.com/office/drawing/2014/main" val="1827086998"/>
+                      <a16:colId xmlns="" xmlns:a16="http://schemas.microsoft.com/office/drawing/2014/main" val="1827086998"/>
                     </a:ext>
                   </a:extLst>
                 </a:gridCol>
                 <a:gridCol w="540767">
                   <a:extLst>
                     <a:ext uri="{9D8B030D-6E8A-4147-A177-3AD203B41FA5}">
-                      <a16:colId xmlns:a16="http://schemas.microsoft.com/office/drawing/2014/main" val="241205195"/>
+                      <a16:colId xmlns="" xmlns:a16="http://schemas.microsoft.com/office/drawing/2014/main" val="241205195"/>
                     </a:ext>
                   </a:extLst>
                 </a:gridCol>
                 <a:gridCol w="545525">
                   <a:extLst>
                     <a:ext uri="{9D8B030D-6E8A-4147-A177-3AD203B41FA5}">
-                      <a16:colId xmlns:a16="http://schemas.microsoft.com/office/drawing/2014/main" val="774871698"/>
+                      <a16:colId xmlns="" xmlns:a16="http://schemas.microsoft.com/office/drawing/2014/main" val="774871698"/>
                     </a:ext>
                   </a:extLst>
                 </a:gridCol>
                 <a:gridCol w="543146">
                   <a:extLst>
                     <a:ext uri="{9D8B030D-6E8A-4147-A177-3AD203B41FA5}">
-                      <a16:colId xmlns:a16="http://schemas.microsoft.com/office/drawing/2014/main" val="1726962244"/>
+                      <a16:colId xmlns="" xmlns:a16="http://schemas.microsoft.com/office/drawing/2014/main" val="1726962244"/>
                     </a:ext>
                   </a:extLst>
                 </a:gridCol>
                 <a:gridCol w="543146">
                   <a:extLst>
                     <a:ext uri="{9D8B030D-6E8A-4147-A177-3AD203B41FA5}">
-                      <a16:colId xmlns:a16="http://schemas.microsoft.com/office/drawing/2014/main" val="3853698681"/>
+                      <a16:colId xmlns="" xmlns:a16="http://schemas.microsoft.com/office/drawing/2014/main" val="3853698681"/>
                     </a:ext>
                   </a:extLst>
                 </a:gridCol>
                 <a:gridCol w="547111">
                   <a:extLst>
                     <a:ext uri="{9D8B030D-6E8A-4147-A177-3AD203B41FA5}">
-                      <a16:colId xmlns:a16="http://schemas.microsoft.com/office/drawing/2014/main" val="3649978295"/>
+                      <a16:colId xmlns="" xmlns:a16="http://schemas.microsoft.com/office/drawing/2014/main" val="3649978295"/>
                     </a:ext>
                   </a:extLst>
                 </a:gridCol>
                 <a:gridCol w="541560">
                   <a:extLst>
                     <a:ext uri="{9D8B030D-6E8A-4147-A177-3AD203B41FA5}">
-                      <a16:colId xmlns:a16="http://schemas.microsoft.com/office/drawing/2014/main" val="1630170836"/>
+                      <a16:colId xmlns="" xmlns:a16="http://schemas.microsoft.com/office/drawing/2014/main" val="1630170836"/>
                     </a:ext>
                   </a:extLst>
                 </a:gridCol>
                 <a:gridCol w="546318">
                   <a:extLst>
                     <a:ext uri="{9D8B030D-6E8A-4147-A177-3AD203B41FA5}">
-                      <a16:colId xmlns:a16="http://schemas.microsoft.com/office/drawing/2014/main" val="1720180841"/>
+                      <a16:colId xmlns="" xmlns:a16="http://schemas.microsoft.com/office/drawing/2014/main" val="1720180841"/>
                     </a:ext>
                   </a:extLst>
                 </a:gridCol>
                 <a:gridCol w="543146">
                   <a:extLst>
                     <a:ext uri="{9D8B030D-6E8A-4147-A177-3AD203B41FA5}">
-                      <a16:colId xmlns:a16="http://schemas.microsoft.com/office/drawing/2014/main" val="684798917"/>
+                      <a16:colId xmlns="" xmlns:a16="http://schemas.microsoft.com/office/drawing/2014/main" val="684798917"/>
                     </a:ext>
                   </a:extLst>
                 </a:gridCol>
                 <a:gridCol w="547111">
                   <a:extLst>
                     <a:ext uri="{9D8B030D-6E8A-4147-A177-3AD203B41FA5}">
-                      <a16:colId xmlns:a16="http://schemas.microsoft.com/office/drawing/2014/main" val="4270760959"/>
+                      <a16:colId xmlns="" xmlns:a16="http://schemas.microsoft.com/office/drawing/2014/main" val="4270760959"/>
                     </a:ext>
                   </a:extLst>
                 </a:gridCol>
                 <a:gridCol w="545525">
                   <a:extLst>
                     <a:ext uri="{9D8B030D-6E8A-4147-A177-3AD203B41FA5}">
-                      <a16:colId xmlns:a16="http://schemas.microsoft.com/office/drawing/2014/main" val="3980920081"/>
+                      <a16:colId xmlns="" xmlns:a16="http://schemas.microsoft.com/office/drawing/2014/main" val="3980920081"/>
                     </a:ext>
                   </a:extLst>
                 </a:gridCol>
@@ -11348,7 +11375,7 @@
                 </a:tc>
                 <a:extLst>
                   <a:ext uri="{0D108BD9-81ED-4DB2-BD59-A6C34878D82A}">
-                    <a16:rowId xmlns:a16="http://schemas.microsoft.com/office/drawing/2014/main" val="3790243932"/>
+                    <a16:rowId xmlns="" xmlns:a16="http://schemas.microsoft.com/office/drawing/2014/main" val="3790243932"/>
                   </a:ext>
                 </a:extLst>
               </a:tr>
@@ -12171,7 +12198,7 @@
                 </a:tc>
                 <a:extLst>
                   <a:ext uri="{0D108BD9-81ED-4DB2-BD59-A6C34878D82A}">
-                    <a16:rowId xmlns:a16="http://schemas.microsoft.com/office/drawing/2014/main" val="2809642108"/>
+                    <a16:rowId xmlns="" xmlns:a16="http://schemas.microsoft.com/office/drawing/2014/main" val="2809642108"/>
                   </a:ext>
                 </a:extLst>
               </a:tr>
@@ -12718,7 +12745,7 @@
                 </a:tc>
                 <a:extLst>
                   <a:ext uri="{0D108BD9-81ED-4DB2-BD59-A6C34878D82A}">
-                    <a16:rowId xmlns:a16="http://schemas.microsoft.com/office/drawing/2014/main" val="1700947302"/>
+                    <a16:rowId xmlns="" xmlns:a16="http://schemas.microsoft.com/office/drawing/2014/main" val="1700947302"/>
                   </a:ext>
                 </a:extLst>
               </a:tr>
@@ -12731,7 +12758,7 @@
           <p:cNvPr id="5" name="Tabelle 4">
             <a:extLst>
               <a:ext uri="{FF2B5EF4-FFF2-40B4-BE49-F238E27FC236}">
-                <a16:creationId xmlns:a16="http://schemas.microsoft.com/office/drawing/2014/main" id="{BC79B0A5-6D3A-4A0F-B91E-3E820C238840}"/>
+                <a16:creationId xmlns="" xmlns:a16="http://schemas.microsoft.com/office/drawing/2014/main" id="{BC79B0A5-6D3A-4A0F-B91E-3E820C238840}"/>
               </a:ext>
             </a:extLst>
           </p:cNvPr>
@@ -12760,14 +12787,14 @@
                 <a:gridCol w="1226478">
                   <a:extLst>
                     <a:ext uri="{9D8B030D-6E8A-4147-A177-3AD203B41FA5}">
-                      <a16:colId xmlns:a16="http://schemas.microsoft.com/office/drawing/2014/main" val="3141790160"/>
+                      <a16:colId xmlns="" xmlns:a16="http://schemas.microsoft.com/office/drawing/2014/main" val="3141790160"/>
                     </a:ext>
                   </a:extLst>
                 </a:gridCol>
                 <a:gridCol w="5962082">
                   <a:extLst>
                     <a:ext uri="{9D8B030D-6E8A-4147-A177-3AD203B41FA5}">
-                      <a16:colId xmlns:a16="http://schemas.microsoft.com/office/drawing/2014/main" val="2531897785"/>
+                      <a16:colId xmlns="" xmlns:a16="http://schemas.microsoft.com/office/drawing/2014/main" val="2531897785"/>
                     </a:ext>
                   </a:extLst>
                 </a:gridCol>
@@ -12856,7 +12883,7 @@
                 </a:tc>
                 <a:extLst>
                   <a:ext uri="{0D108BD9-81ED-4DB2-BD59-A6C34878D82A}">
-                    <a16:rowId xmlns:a16="http://schemas.microsoft.com/office/drawing/2014/main" val="2952091325"/>
+                    <a16:rowId xmlns="" xmlns:a16="http://schemas.microsoft.com/office/drawing/2014/main" val="2952091325"/>
                   </a:ext>
                 </a:extLst>
               </a:tr>
@@ -12962,7 +12989,7 @@
                 </a:tc>
                 <a:extLst>
                   <a:ext uri="{0D108BD9-81ED-4DB2-BD59-A6C34878D82A}">
-                    <a16:rowId xmlns:a16="http://schemas.microsoft.com/office/drawing/2014/main" val="1803035424"/>
+                    <a16:rowId xmlns="" xmlns:a16="http://schemas.microsoft.com/office/drawing/2014/main" val="1803035424"/>
                   </a:ext>
                 </a:extLst>
               </a:tr>
@@ -13068,7 +13095,7 @@
                 </a:tc>
                 <a:extLst>
                   <a:ext uri="{0D108BD9-81ED-4DB2-BD59-A6C34878D82A}">
-                    <a16:rowId xmlns:a16="http://schemas.microsoft.com/office/drawing/2014/main" val="3669208522"/>
+                    <a16:rowId xmlns="" xmlns:a16="http://schemas.microsoft.com/office/drawing/2014/main" val="3669208522"/>
                   </a:ext>
                 </a:extLst>
               </a:tr>
@@ -13156,7 +13183,7 @@
                 </a:tc>
                 <a:extLst>
                   <a:ext uri="{0D108BD9-81ED-4DB2-BD59-A6C34878D82A}">
-                    <a16:rowId xmlns:a16="http://schemas.microsoft.com/office/drawing/2014/main" val="64154002"/>
+                    <a16:rowId xmlns="" xmlns:a16="http://schemas.microsoft.com/office/drawing/2014/main" val="64154002"/>
                   </a:ext>
                 </a:extLst>
               </a:tr>
@@ -13174,6 +13201,13 @@
   <p:clrMapOvr>
     <a:masterClrMapping/>
   </p:clrMapOvr>
+  <p:timing>
+    <p:tnLst>
+      <p:par>
+        <p:cTn id="1" dur="indefinite" restart="never" nodeType="tmRoot"/>
+      </p:par>
+    </p:tnLst>
+  </p:timing>
 </p:sld>
 </file>
 
@@ -13199,7 +13233,7 @@
           <p:cNvPr id="2" name="Titel 1">
             <a:extLst>
               <a:ext uri="{FF2B5EF4-FFF2-40B4-BE49-F238E27FC236}">
-                <a16:creationId xmlns:a16="http://schemas.microsoft.com/office/drawing/2014/main" id="{D845AD9F-A367-419F-983F-7960ED172BCA}"/>
+                <a16:creationId xmlns="" xmlns:a16="http://schemas.microsoft.com/office/drawing/2014/main" id="{D845AD9F-A367-419F-983F-7960ED172BCA}"/>
               </a:ext>
             </a:extLst>
           </p:cNvPr>
@@ -13227,7 +13261,7 @@
           <p:cNvPr id="4" name="Inhaltsplatzhalter 3">
             <a:extLst>
               <a:ext uri="{FF2B5EF4-FFF2-40B4-BE49-F238E27FC236}">
-                <a16:creationId xmlns:a16="http://schemas.microsoft.com/office/drawing/2014/main" id="{95F6963B-8657-447C-A399-D4655294615E}"/>
+                <a16:creationId xmlns="" xmlns:a16="http://schemas.microsoft.com/office/drawing/2014/main" id="{95F6963B-8657-447C-A399-D4655294615E}"/>
               </a:ext>
             </a:extLst>
           </p:cNvPr>
@@ -13257,14 +13291,14 @@
                 <a:gridCol w="4680160">
                   <a:extLst>
                     <a:ext uri="{9D8B030D-6E8A-4147-A177-3AD203B41FA5}">
-                      <a16:colId xmlns:a16="http://schemas.microsoft.com/office/drawing/2014/main" val="1609276514"/>
+                      <a16:colId xmlns="" xmlns:a16="http://schemas.microsoft.com/office/drawing/2014/main" val="1609276514"/>
                     </a:ext>
                   </a:extLst>
                 </a:gridCol>
                 <a:gridCol w="2508040">
                   <a:extLst>
                     <a:ext uri="{9D8B030D-6E8A-4147-A177-3AD203B41FA5}">
-                      <a16:colId xmlns:a16="http://schemas.microsoft.com/office/drawing/2014/main" val="3660339752"/>
+                      <a16:colId xmlns="" xmlns:a16="http://schemas.microsoft.com/office/drawing/2014/main" val="3660339752"/>
                     </a:ext>
                   </a:extLst>
                 </a:gridCol>
@@ -13362,7 +13396,7 @@
                 </a:tc>
                 <a:extLst>
                   <a:ext uri="{0D108BD9-81ED-4DB2-BD59-A6C34878D82A}">
-                    <a16:rowId xmlns:a16="http://schemas.microsoft.com/office/drawing/2014/main" val="1394838936"/>
+                    <a16:rowId xmlns="" xmlns:a16="http://schemas.microsoft.com/office/drawing/2014/main" val="1394838936"/>
                   </a:ext>
                 </a:extLst>
               </a:tr>
@@ -13477,7 +13511,7 @@
                 </a:tc>
                 <a:extLst>
                   <a:ext uri="{0D108BD9-81ED-4DB2-BD59-A6C34878D82A}">
-                    <a16:rowId xmlns:a16="http://schemas.microsoft.com/office/drawing/2014/main" val="3540532128"/>
+                    <a16:rowId xmlns="" xmlns:a16="http://schemas.microsoft.com/office/drawing/2014/main" val="3540532128"/>
                   </a:ext>
                 </a:extLst>
               </a:tr>
@@ -13592,7 +13626,7 @@
                 </a:tc>
                 <a:extLst>
                   <a:ext uri="{0D108BD9-81ED-4DB2-BD59-A6C34878D82A}">
-                    <a16:rowId xmlns:a16="http://schemas.microsoft.com/office/drawing/2014/main" val="1041042178"/>
+                    <a16:rowId xmlns="" xmlns:a16="http://schemas.microsoft.com/office/drawing/2014/main" val="1041042178"/>
                   </a:ext>
                 </a:extLst>
               </a:tr>
@@ -13689,7 +13723,7 @@
                 </a:tc>
                 <a:extLst>
                   <a:ext uri="{0D108BD9-81ED-4DB2-BD59-A6C34878D82A}">
-                    <a16:rowId xmlns:a16="http://schemas.microsoft.com/office/drawing/2014/main" val="4137595577"/>
+                    <a16:rowId xmlns="" xmlns:a16="http://schemas.microsoft.com/office/drawing/2014/main" val="4137595577"/>
                   </a:ext>
                 </a:extLst>
               </a:tr>
@@ -13748,7 +13782,7 @@
                 </a:tc>
                 <a:extLst>
                   <a:ext uri="{0D108BD9-81ED-4DB2-BD59-A6C34878D82A}">
-                    <a16:rowId xmlns:a16="http://schemas.microsoft.com/office/drawing/2014/main" val="1895490746"/>
+                    <a16:rowId xmlns="" xmlns:a16="http://schemas.microsoft.com/office/drawing/2014/main" val="1895490746"/>
                   </a:ext>
                 </a:extLst>
               </a:tr>
@@ -13813,7 +13847,7 @@
                 </a:tc>
                 <a:extLst>
                   <a:ext uri="{0D108BD9-81ED-4DB2-BD59-A6C34878D82A}">
-                    <a16:rowId xmlns:a16="http://schemas.microsoft.com/office/drawing/2014/main" val="2776713482"/>
+                    <a16:rowId xmlns="" xmlns:a16="http://schemas.microsoft.com/office/drawing/2014/main" val="2776713482"/>
                   </a:ext>
                 </a:extLst>
               </a:tr>
@@ -13872,7 +13906,7 @@
                 </a:tc>
                 <a:extLst>
                   <a:ext uri="{0D108BD9-81ED-4DB2-BD59-A6C34878D82A}">
-                    <a16:rowId xmlns:a16="http://schemas.microsoft.com/office/drawing/2014/main" val="1706801210"/>
+                    <a16:rowId xmlns="" xmlns:a16="http://schemas.microsoft.com/office/drawing/2014/main" val="1706801210"/>
                   </a:ext>
                 </a:extLst>
               </a:tr>
@@ -13890,6 +13924,13 @@
   <p:clrMapOvr>
     <a:masterClrMapping/>
   </p:clrMapOvr>
+  <p:timing>
+    <p:tnLst>
+      <p:par>
+        <p:cTn id="1" dur="indefinite" restart="never" nodeType="tmRoot"/>
+      </p:par>
+    </p:tnLst>
+  </p:timing>
 </p:sld>
 </file>
 
@@ -13915,7 +13956,7 @@
           <p:cNvPr id="2" name="Titel 1">
             <a:extLst>
               <a:ext uri="{FF2B5EF4-FFF2-40B4-BE49-F238E27FC236}">
-                <a16:creationId xmlns:a16="http://schemas.microsoft.com/office/drawing/2014/main" id="{38862605-BE33-4D46-84B6-3BA775B5D12E}"/>
+                <a16:creationId xmlns="" xmlns:a16="http://schemas.microsoft.com/office/drawing/2014/main" id="{38862605-BE33-4D46-84B6-3BA775B5D12E}"/>
               </a:ext>
             </a:extLst>
           </p:cNvPr>
@@ -13943,7 +13984,7 @@
           <p:cNvPr id="6" name="Rechteck 5">
             <a:extLst>
               <a:ext uri="{FF2B5EF4-FFF2-40B4-BE49-F238E27FC236}">
-                <a16:creationId xmlns:a16="http://schemas.microsoft.com/office/drawing/2014/main" id="{631A1312-CCF9-405F-9234-BAD06CE35DD8}"/>
+                <a16:creationId xmlns="" xmlns:a16="http://schemas.microsoft.com/office/drawing/2014/main" id="{631A1312-CCF9-405F-9234-BAD06CE35DD8}"/>
               </a:ext>
             </a:extLst>
           </p:cNvPr>
@@ -13992,7 +14033,7 @@
           <p:cNvPr id="3" name="Inhaltsplatzhalter 2">
             <a:extLst>
               <a:ext uri="{FF2B5EF4-FFF2-40B4-BE49-F238E27FC236}">
-                <a16:creationId xmlns:a16="http://schemas.microsoft.com/office/drawing/2014/main" id="{A76F498B-4D53-4B8C-8F91-02532ECE611A}"/>
+                <a16:creationId xmlns="" xmlns:a16="http://schemas.microsoft.com/office/drawing/2014/main" id="{A76F498B-4D53-4B8C-8F91-02532ECE611A}"/>
               </a:ext>
             </a:extLst>
           </p:cNvPr>
@@ -14058,7 +14099,7 @@
           <p:cNvPr id="5" name="Grafik 4">
             <a:extLst>
               <a:ext uri="{FF2B5EF4-FFF2-40B4-BE49-F238E27FC236}">
-                <a16:creationId xmlns:a16="http://schemas.microsoft.com/office/drawing/2014/main" id="{C19CFA07-F781-4621-8B97-E6132F33821D}"/>
+                <a16:creationId xmlns="" xmlns:a16="http://schemas.microsoft.com/office/drawing/2014/main" id="{C19CFA07-F781-4621-8B97-E6132F33821D}"/>
               </a:ext>
             </a:extLst>
           </p:cNvPr>
@@ -14094,7 +14135,7 @@
           <p:cNvPr id="7" name="Textfeld 6">
             <a:extLst>
               <a:ext uri="{FF2B5EF4-FFF2-40B4-BE49-F238E27FC236}">
-                <a16:creationId xmlns:a16="http://schemas.microsoft.com/office/drawing/2014/main" id="{D14766EB-F48C-4619-8E0E-524113472D7C}"/>
+                <a16:creationId xmlns="" xmlns:a16="http://schemas.microsoft.com/office/drawing/2014/main" id="{D14766EB-F48C-4619-8E0E-524113472D7C}"/>
               </a:ext>
             </a:extLst>
           </p:cNvPr>
@@ -14143,6 +14184,13 @@
   <p:clrMapOvr>
     <a:masterClrMapping/>
   </p:clrMapOvr>
+  <p:timing>
+    <p:tnLst>
+      <p:par>
+        <p:cTn id="1" dur="indefinite" restart="never" nodeType="tmRoot"/>
+      </p:par>
+    </p:tnLst>
+  </p:timing>
 </p:sld>
 </file>
 
@@ -14168,7 +14216,7 @@
           <p:cNvPr id="2" name="Titel 1">
             <a:extLst>
               <a:ext uri="{FF2B5EF4-FFF2-40B4-BE49-F238E27FC236}">
-                <a16:creationId xmlns:a16="http://schemas.microsoft.com/office/drawing/2014/main" id="{CBCE6BCE-9611-44B2-9356-D30D8C17B4FC}"/>
+                <a16:creationId xmlns="" xmlns:a16="http://schemas.microsoft.com/office/drawing/2014/main" id="{CBCE6BCE-9611-44B2-9356-D30D8C17B4FC}"/>
               </a:ext>
             </a:extLst>
           </p:cNvPr>
@@ -14196,7 +14244,7 @@
           <p:cNvPr id="9" name="Inhaltsplatzhalter 8">
             <a:extLst>
               <a:ext uri="{FF2B5EF4-FFF2-40B4-BE49-F238E27FC236}">
-                <a16:creationId xmlns:a16="http://schemas.microsoft.com/office/drawing/2014/main" id="{15698623-036F-4675-9B69-C20A8D27BEDA}"/>
+                <a16:creationId xmlns="" xmlns:a16="http://schemas.microsoft.com/office/drawing/2014/main" id="{15698623-036F-4675-9B69-C20A8D27BEDA}"/>
               </a:ext>
             </a:extLst>
           </p:cNvPr>
@@ -14231,7 +14279,7 @@
           <p:cNvPr id="10" name="Textfeld 9">
             <a:extLst>
               <a:ext uri="{FF2B5EF4-FFF2-40B4-BE49-F238E27FC236}">
-                <a16:creationId xmlns:a16="http://schemas.microsoft.com/office/drawing/2014/main" id="{69339D46-0D9C-4100-8C85-B4989A17B91F}"/>
+                <a16:creationId xmlns="" xmlns:a16="http://schemas.microsoft.com/office/drawing/2014/main" id="{69339D46-0D9C-4100-8C85-B4989A17B91F}"/>
               </a:ext>
             </a:extLst>
           </p:cNvPr>
@@ -14267,7 +14315,7 @@
           <p:cNvPr id="11" name="Textfeld 10">
             <a:extLst>
               <a:ext uri="{FF2B5EF4-FFF2-40B4-BE49-F238E27FC236}">
-                <a16:creationId xmlns:a16="http://schemas.microsoft.com/office/drawing/2014/main" id="{8F7A37B5-4CC7-4587-8FFD-6FA7FF325982}"/>
+                <a16:creationId xmlns="" xmlns:a16="http://schemas.microsoft.com/office/drawing/2014/main" id="{8F7A37B5-4CC7-4587-8FFD-6FA7FF325982}"/>
               </a:ext>
             </a:extLst>
           </p:cNvPr>
@@ -14303,7 +14351,7 @@
           <p:cNvPr id="12" name="Textfeld 11">
             <a:extLst>
               <a:ext uri="{FF2B5EF4-FFF2-40B4-BE49-F238E27FC236}">
-                <a16:creationId xmlns:a16="http://schemas.microsoft.com/office/drawing/2014/main" id="{2C344671-0C83-486D-9CF2-E608F1302026}"/>
+                <a16:creationId xmlns="" xmlns:a16="http://schemas.microsoft.com/office/drawing/2014/main" id="{2C344671-0C83-486D-9CF2-E608F1302026}"/>
               </a:ext>
             </a:extLst>
           </p:cNvPr>
@@ -14339,7 +14387,7 @@
           <p:cNvPr id="13" name="Textfeld 12">
             <a:extLst>
               <a:ext uri="{FF2B5EF4-FFF2-40B4-BE49-F238E27FC236}">
-                <a16:creationId xmlns:a16="http://schemas.microsoft.com/office/drawing/2014/main" id="{97CE9624-B347-468D-A057-61A56F770F13}"/>
+                <a16:creationId xmlns="" xmlns:a16="http://schemas.microsoft.com/office/drawing/2014/main" id="{97CE9624-B347-468D-A057-61A56F770F13}"/>
               </a:ext>
             </a:extLst>
           </p:cNvPr>
@@ -14375,7 +14423,7 @@
           <p:cNvPr id="14" name="Textfeld 13">
             <a:extLst>
               <a:ext uri="{FF2B5EF4-FFF2-40B4-BE49-F238E27FC236}">
-                <a16:creationId xmlns:a16="http://schemas.microsoft.com/office/drawing/2014/main" id="{0B0BB070-BE64-4C56-8A35-51B715E1B001}"/>
+                <a16:creationId xmlns="" xmlns:a16="http://schemas.microsoft.com/office/drawing/2014/main" id="{0B0BB070-BE64-4C56-8A35-51B715E1B001}"/>
               </a:ext>
             </a:extLst>
           </p:cNvPr>
@@ -14411,7 +14459,7 @@
           <p:cNvPr id="15" name="Textfeld 14">
             <a:extLst>
               <a:ext uri="{FF2B5EF4-FFF2-40B4-BE49-F238E27FC236}">
-                <a16:creationId xmlns:a16="http://schemas.microsoft.com/office/drawing/2014/main" id="{C98A3CD3-8660-44CF-8223-6BBEC90E0173}"/>
+                <a16:creationId xmlns="" xmlns:a16="http://schemas.microsoft.com/office/drawing/2014/main" id="{C98A3CD3-8660-44CF-8223-6BBEC90E0173}"/>
               </a:ext>
             </a:extLst>
           </p:cNvPr>
@@ -14452,6 +14500,13 @@
   <p:clrMapOvr>
     <a:masterClrMapping/>
   </p:clrMapOvr>
+  <p:timing>
+    <p:tnLst>
+      <p:par>
+        <p:cTn id="1" dur="indefinite" restart="never" nodeType="tmRoot"/>
+      </p:par>
+    </p:tnLst>
+  </p:timing>
 </p:sld>
 </file>
 
@@ -14477,7 +14532,7 @@
           <p:cNvPr id="2" name="Titel 1">
             <a:extLst>
               <a:ext uri="{FF2B5EF4-FFF2-40B4-BE49-F238E27FC236}">
-                <a16:creationId xmlns:a16="http://schemas.microsoft.com/office/drawing/2014/main" id="{A1619E31-CDAB-435D-836E-64CD0926D67B}"/>
+                <a16:creationId xmlns="" xmlns:a16="http://schemas.microsoft.com/office/drawing/2014/main" id="{A1619E31-CDAB-435D-836E-64CD0926D67B}"/>
               </a:ext>
             </a:extLst>
           </p:cNvPr>
@@ -14505,7 +14560,7 @@
           <p:cNvPr id="3" name="Inhaltsplatzhalter 2">
             <a:extLst>
               <a:ext uri="{FF2B5EF4-FFF2-40B4-BE49-F238E27FC236}">
-                <a16:creationId xmlns:a16="http://schemas.microsoft.com/office/drawing/2014/main" id="{F65DCFEF-1603-474E-927D-2082B91C284D}"/>
+                <a16:creationId xmlns="" xmlns:a16="http://schemas.microsoft.com/office/drawing/2014/main" id="{F65DCFEF-1603-474E-927D-2082B91C284D}"/>
               </a:ext>
             </a:extLst>
           </p:cNvPr>
@@ -14541,7 +14596,11 @@
             <a:pPr lvl="1"/>
             <a:r>
               <a:rPr lang="de-DE" dirty="0"/>
-              <a:t>Taktarten (auch Lennon </a:t>
+              <a:t>Taktarten </a:t>
+            </a:r>
+            <a:r>
+              <a:rPr lang="de-DE" dirty="0" smtClean="0"/>
+              <a:t>(Lennon </a:t>
             </a:r>
             <a:r>
               <a:rPr lang="de-DE" dirty="0" err="1"/>
@@ -14559,9 +14618,10 @@
           <a:p>
             <a:pPr lvl="1"/>
             <a:r>
-              <a:rPr lang="de-DE" dirty="0"/>
+              <a:rPr lang="de-DE" dirty="0" smtClean="0"/>
               <a:t>Tonarten</a:t>
             </a:r>
+            <a:endParaRPr lang="de-DE" dirty="0"/>
           </a:p>
           <a:p>
             <a:pPr lvl="1"/>
@@ -14615,6 +14675,13 @@
   <p:clrMapOvr>
     <a:masterClrMapping/>
   </p:clrMapOvr>
+  <p:timing>
+    <p:tnLst>
+      <p:par>
+        <p:cTn id="1" dur="indefinite" restart="never" nodeType="tmRoot"/>
+      </p:par>
+    </p:tnLst>
+  </p:timing>
 </p:sld>
 </file>
 
@@ -14640,7 +14707,7 @@
           <p:cNvPr id="2" name="Titel 1">
             <a:extLst>
               <a:ext uri="{FF2B5EF4-FFF2-40B4-BE49-F238E27FC236}">
-                <a16:creationId xmlns:a16="http://schemas.microsoft.com/office/drawing/2014/main" id="{5775EDB8-5E45-4075-8244-C943EB912580}"/>
+                <a16:creationId xmlns="" xmlns:a16="http://schemas.microsoft.com/office/drawing/2014/main" id="{5775EDB8-5E45-4075-8244-C943EB912580}"/>
               </a:ext>
             </a:extLst>
           </p:cNvPr>
@@ -14668,7 +14735,7 @@
           <p:cNvPr id="4" name="Inhaltsplatzhalter 3">
             <a:extLst>
               <a:ext uri="{FF2B5EF4-FFF2-40B4-BE49-F238E27FC236}">
-                <a16:creationId xmlns:a16="http://schemas.microsoft.com/office/drawing/2014/main" id="{FFB856B1-3503-4842-A1A2-9652F5D5F4F7}"/>
+                <a16:creationId xmlns="" xmlns:a16="http://schemas.microsoft.com/office/drawing/2014/main" id="{FFB856B1-3503-4842-A1A2-9652F5D5F4F7}"/>
               </a:ext>
             </a:extLst>
           </p:cNvPr>
@@ -14698,14 +14765,14 @@
                 <a:gridCol w="3581686">
                   <a:extLst>
                     <a:ext uri="{9D8B030D-6E8A-4147-A177-3AD203B41FA5}">
-                      <a16:colId xmlns:a16="http://schemas.microsoft.com/office/drawing/2014/main" val="654713860"/>
+                      <a16:colId xmlns="" xmlns:a16="http://schemas.microsoft.com/office/drawing/2014/main" val="654713860"/>
                     </a:ext>
                   </a:extLst>
                 </a:gridCol>
                 <a:gridCol w="3606514">
                   <a:extLst>
                     <a:ext uri="{9D8B030D-6E8A-4147-A177-3AD203B41FA5}">
-                      <a16:colId xmlns:a16="http://schemas.microsoft.com/office/drawing/2014/main" val="2207475437"/>
+                      <a16:colId xmlns="" xmlns:a16="http://schemas.microsoft.com/office/drawing/2014/main" val="2207475437"/>
                     </a:ext>
                   </a:extLst>
                 </a:gridCol>
@@ -14803,7 +14870,7 @@
                 </a:tc>
                 <a:extLst>
                   <a:ext uri="{0D108BD9-81ED-4DB2-BD59-A6C34878D82A}">
-                    <a16:rowId xmlns:a16="http://schemas.microsoft.com/office/drawing/2014/main" val="3433855472"/>
+                    <a16:rowId xmlns="" xmlns:a16="http://schemas.microsoft.com/office/drawing/2014/main" val="3433855472"/>
                   </a:ext>
                 </a:extLst>
               </a:tr>
@@ -14918,7 +14985,7 @@
                 </a:tc>
                 <a:extLst>
                   <a:ext uri="{0D108BD9-81ED-4DB2-BD59-A6C34878D82A}">
-                    <a16:rowId xmlns:a16="http://schemas.microsoft.com/office/drawing/2014/main" val="4185292731"/>
+                    <a16:rowId xmlns="" xmlns:a16="http://schemas.microsoft.com/office/drawing/2014/main" val="4185292731"/>
                   </a:ext>
                 </a:extLst>
               </a:tr>
@@ -15033,7 +15100,7 @@
                 </a:tc>
                 <a:extLst>
                   <a:ext uri="{0D108BD9-81ED-4DB2-BD59-A6C34878D82A}">
-                    <a16:rowId xmlns:a16="http://schemas.microsoft.com/office/drawing/2014/main" val="3623883980"/>
+                    <a16:rowId xmlns="" xmlns:a16="http://schemas.microsoft.com/office/drawing/2014/main" val="3623883980"/>
                   </a:ext>
                 </a:extLst>
               </a:tr>
@@ -15130,7 +15197,7 @@
                 </a:tc>
                 <a:extLst>
                   <a:ext uri="{0D108BD9-81ED-4DB2-BD59-A6C34878D82A}">
-                    <a16:rowId xmlns:a16="http://schemas.microsoft.com/office/drawing/2014/main" val="2345624933"/>
+                    <a16:rowId xmlns="" xmlns:a16="http://schemas.microsoft.com/office/drawing/2014/main" val="2345624933"/>
                   </a:ext>
                 </a:extLst>
               </a:tr>
@@ -15143,7 +15210,7 @@
           <p:cNvPr id="6" name="Rechteck 5">
             <a:extLst>
               <a:ext uri="{FF2B5EF4-FFF2-40B4-BE49-F238E27FC236}">
-                <a16:creationId xmlns:a16="http://schemas.microsoft.com/office/drawing/2014/main" id="{E8AD0092-A96A-4AE2-9288-7C634AA9CB57}"/>
+                <a16:creationId xmlns="" xmlns:a16="http://schemas.microsoft.com/office/drawing/2014/main" id="{E8AD0092-A96A-4AE2-9288-7C634AA9CB57}"/>
               </a:ext>
             </a:extLst>
           </p:cNvPr>
@@ -15186,6 +15253,13 @@
   <p:clrMapOvr>
     <a:masterClrMapping/>
   </p:clrMapOvr>
+  <p:timing>
+    <p:tnLst>
+      <p:par>
+        <p:cTn id="1" dur="indefinite" restart="never" nodeType="tmRoot"/>
+      </p:par>
+    </p:tnLst>
+  </p:timing>
 </p:sld>
 </file>
 
@@ -15211,7 +15285,7 @@
           <p:cNvPr id="2" name="Titel 1">
             <a:extLst>
               <a:ext uri="{FF2B5EF4-FFF2-40B4-BE49-F238E27FC236}">
-                <a16:creationId xmlns:a16="http://schemas.microsoft.com/office/drawing/2014/main" id="{A996D036-828B-4C54-A1CD-B34A03F2EDFB}"/>
+                <a16:creationId xmlns="" xmlns:a16="http://schemas.microsoft.com/office/drawing/2014/main" id="{A996D036-828B-4C54-A1CD-B34A03F2EDFB}"/>
               </a:ext>
             </a:extLst>
           </p:cNvPr>
@@ -15239,7 +15313,7 @@
           <p:cNvPr id="9" name="Inhaltsplatzhalter 8">
             <a:extLst>
               <a:ext uri="{FF2B5EF4-FFF2-40B4-BE49-F238E27FC236}">
-                <a16:creationId xmlns:a16="http://schemas.microsoft.com/office/drawing/2014/main" id="{8052A96E-5310-465E-AE34-A73802BD9398}"/>
+                <a16:creationId xmlns="" xmlns:a16="http://schemas.microsoft.com/office/drawing/2014/main" id="{8052A96E-5310-465E-AE34-A73802BD9398}"/>
               </a:ext>
             </a:extLst>
           </p:cNvPr>
@@ -15274,7 +15348,7 @@
           <p:cNvPr id="10" name="Rechteck 9">
             <a:extLst>
               <a:ext uri="{FF2B5EF4-FFF2-40B4-BE49-F238E27FC236}">
-                <a16:creationId xmlns:a16="http://schemas.microsoft.com/office/drawing/2014/main" id="{F7A4B7E8-E286-4559-B5CE-34E93D32AEF5}"/>
+                <a16:creationId xmlns="" xmlns:a16="http://schemas.microsoft.com/office/drawing/2014/main" id="{F7A4B7E8-E286-4559-B5CE-34E93D32AEF5}"/>
               </a:ext>
             </a:extLst>
           </p:cNvPr>
@@ -15317,6 +15391,13 @@
   <p:clrMapOvr>
     <a:masterClrMapping/>
   </p:clrMapOvr>
+  <p:timing>
+    <p:tnLst>
+      <p:par>
+        <p:cTn id="1" dur="indefinite" restart="never" nodeType="tmRoot"/>
+      </p:par>
+    </p:tnLst>
+  </p:timing>
 </p:sld>
 </file>
 
@@ -15342,7 +15423,7 @@
           <p:cNvPr id="2" name="Titel 1">
             <a:extLst>
               <a:ext uri="{FF2B5EF4-FFF2-40B4-BE49-F238E27FC236}">
-                <a16:creationId xmlns:a16="http://schemas.microsoft.com/office/drawing/2014/main" id="{5775EDB8-5E45-4075-8244-C943EB912580}"/>
+                <a16:creationId xmlns="" xmlns:a16="http://schemas.microsoft.com/office/drawing/2014/main" id="{5775EDB8-5E45-4075-8244-C943EB912580}"/>
               </a:ext>
             </a:extLst>
           </p:cNvPr>
@@ -15370,7 +15451,7 @@
           <p:cNvPr id="4" name="Inhaltsplatzhalter 3">
             <a:extLst>
               <a:ext uri="{FF2B5EF4-FFF2-40B4-BE49-F238E27FC236}">
-                <a16:creationId xmlns:a16="http://schemas.microsoft.com/office/drawing/2014/main" id="{951F9E2A-A9AA-464D-A193-97B925912CA0}"/>
+                <a16:creationId xmlns="" xmlns:a16="http://schemas.microsoft.com/office/drawing/2014/main" id="{951F9E2A-A9AA-464D-A193-97B925912CA0}"/>
               </a:ext>
             </a:extLst>
           </p:cNvPr>
@@ -15400,35 +15481,35 @@
                 <a:gridCol w="699737">
                   <a:extLst>
                     <a:ext uri="{9D8B030D-6E8A-4147-A177-3AD203B41FA5}">
-                      <a16:colId xmlns:a16="http://schemas.microsoft.com/office/drawing/2014/main" val="82345829"/>
+                      <a16:colId xmlns="" xmlns:a16="http://schemas.microsoft.com/office/drawing/2014/main" val="82345829"/>
                     </a:ext>
                   </a:extLst>
                 </a:gridCol>
                 <a:gridCol w="2180223">
                   <a:extLst>
                     <a:ext uri="{9D8B030D-6E8A-4147-A177-3AD203B41FA5}">
-                      <a16:colId xmlns:a16="http://schemas.microsoft.com/office/drawing/2014/main" val="3184349946"/>
+                      <a16:colId xmlns="" xmlns:a16="http://schemas.microsoft.com/office/drawing/2014/main" val="3184349946"/>
                     </a:ext>
                   </a:extLst>
                 </a:gridCol>
                 <a:gridCol w="2217330">
                   <a:extLst>
                     <a:ext uri="{9D8B030D-6E8A-4147-A177-3AD203B41FA5}">
-                      <a16:colId xmlns:a16="http://schemas.microsoft.com/office/drawing/2014/main" val="3044922174"/>
+                      <a16:colId xmlns="" xmlns:a16="http://schemas.microsoft.com/office/drawing/2014/main" val="3044922174"/>
                     </a:ext>
                   </a:extLst>
                 </a:gridCol>
                 <a:gridCol w="1306358">
                   <a:extLst>
                     <a:ext uri="{9D8B030D-6E8A-4147-A177-3AD203B41FA5}">
-                      <a16:colId xmlns:a16="http://schemas.microsoft.com/office/drawing/2014/main" val="798083126"/>
+                      <a16:colId xmlns="" xmlns:a16="http://schemas.microsoft.com/office/drawing/2014/main" val="798083126"/>
                     </a:ext>
                   </a:extLst>
                 </a:gridCol>
                 <a:gridCol w="784552">
                   <a:extLst>
                     <a:ext uri="{9D8B030D-6E8A-4147-A177-3AD203B41FA5}">
-                      <a16:colId xmlns:a16="http://schemas.microsoft.com/office/drawing/2014/main" val="2317258795"/>
+                      <a16:colId xmlns="" xmlns:a16="http://schemas.microsoft.com/office/drawing/2014/main" val="2317258795"/>
                     </a:ext>
                   </a:extLst>
                 </a:gridCol>
@@ -15566,7 +15647,7 @@
                 </a:tc>
                 <a:extLst>
                   <a:ext uri="{0D108BD9-81ED-4DB2-BD59-A6C34878D82A}">
-                    <a16:rowId xmlns:a16="http://schemas.microsoft.com/office/drawing/2014/main" val="4200273406"/>
+                    <a16:rowId xmlns="" xmlns:a16="http://schemas.microsoft.com/office/drawing/2014/main" val="4200273406"/>
                   </a:ext>
                 </a:extLst>
               </a:tr>
@@ -15748,7 +15829,7 @@
                 </a:tc>
                 <a:extLst>
                   <a:ext uri="{0D108BD9-81ED-4DB2-BD59-A6C34878D82A}">
-                    <a16:rowId xmlns:a16="http://schemas.microsoft.com/office/drawing/2014/main" val="1403834533"/>
+                    <a16:rowId xmlns="" xmlns:a16="http://schemas.microsoft.com/office/drawing/2014/main" val="1403834533"/>
                   </a:ext>
                 </a:extLst>
               </a:tr>
@@ -15909,7 +15990,7 @@
                 </a:tc>
                 <a:extLst>
                   <a:ext uri="{0D108BD9-81ED-4DB2-BD59-A6C34878D82A}">
-                    <a16:rowId xmlns:a16="http://schemas.microsoft.com/office/drawing/2014/main" val="3613437509"/>
+                    <a16:rowId xmlns="" xmlns:a16="http://schemas.microsoft.com/office/drawing/2014/main" val="3613437509"/>
                   </a:ext>
                 </a:extLst>
               </a:tr>
@@ -15922,7 +16003,7 @@
           <p:cNvPr id="5" name="Diagramm 4">
             <a:extLst>
               <a:ext uri="{FF2B5EF4-FFF2-40B4-BE49-F238E27FC236}">
-                <a16:creationId xmlns:a16="http://schemas.microsoft.com/office/drawing/2014/main" id="{880F33ED-3115-4C36-BAEC-4E1CD3AB2CF3}"/>
+                <a16:creationId xmlns="" xmlns:a16="http://schemas.microsoft.com/office/drawing/2014/main" id="{880F33ED-3115-4C36-BAEC-4E1CD3AB2CF3}"/>
               </a:ext>
             </a:extLst>
           </p:cNvPr>
@@ -15950,7 +16031,7 @@
           <p:cNvPr id="6" name="Textfeld 2">
             <a:extLst>
               <a:ext uri="{FF2B5EF4-FFF2-40B4-BE49-F238E27FC236}">
-                <a16:creationId xmlns:a16="http://schemas.microsoft.com/office/drawing/2014/main" id="{1B6F6303-3308-4E80-9117-F85A85BC6A08}"/>
+                <a16:creationId xmlns="" xmlns:a16="http://schemas.microsoft.com/office/drawing/2014/main" id="{1B6F6303-3308-4E80-9117-F85A85BC6A08}"/>
               </a:ext>
             </a:extLst>
           </p:cNvPr>
@@ -16100,7 +16181,7 @@
           <p:cNvPr id="7" name="Textfeld 2">
             <a:extLst>
               <a:ext uri="{FF2B5EF4-FFF2-40B4-BE49-F238E27FC236}">
-                <a16:creationId xmlns:a16="http://schemas.microsoft.com/office/drawing/2014/main" id="{7D3BE802-9092-48AB-BB84-22BDFFDE4D9A}"/>
+                <a16:creationId xmlns="" xmlns:a16="http://schemas.microsoft.com/office/drawing/2014/main" id="{7D3BE802-9092-48AB-BB84-22BDFFDE4D9A}"/>
               </a:ext>
             </a:extLst>
           </p:cNvPr>
@@ -16181,7 +16262,7 @@
           <p:cNvPr id="8" name="Textfeld 2">
             <a:extLst>
               <a:ext uri="{FF2B5EF4-FFF2-40B4-BE49-F238E27FC236}">
-                <a16:creationId xmlns:a16="http://schemas.microsoft.com/office/drawing/2014/main" id="{20756351-D54F-4872-843F-72BE93A91A67}"/>
+                <a16:creationId xmlns="" xmlns:a16="http://schemas.microsoft.com/office/drawing/2014/main" id="{20756351-D54F-4872-843F-72BE93A91A67}"/>
               </a:ext>
             </a:extLst>
           </p:cNvPr>
@@ -16296,7 +16377,7 @@
           <p:cNvPr id="9" name="Textfeld 2">
             <a:extLst>
               <a:ext uri="{FF2B5EF4-FFF2-40B4-BE49-F238E27FC236}">
-                <a16:creationId xmlns:a16="http://schemas.microsoft.com/office/drawing/2014/main" id="{1EA9DD60-832B-4BDB-9664-A768B9606B3E}"/>
+                <a16:creationId xmlns="" xmlns:a16="http://schemas.microsoft.com/office/drawing/2014/main" id="{1EA9DD60-832B-4BDB-9664-A768B9606B3E}"/>
               </a:ext>
             </a:extLst>
           </p:cNvPr>
@@ -16382,6 +16463,13 @@
   <p:clrMapOvr>
     <a:masterClrMapping/>
   </p:clrMapOvr>
+  <p:timing>
+    <p:tnLst>
+      <p:par>
+        <p:cTn id="1" dur="indefinite" restart="never" nodeType="tmRoot"/>
+      </p:par>
+    </p:tnLst>
+  </p:timing>
 </p:sld>
 </file>
 
@@ -16407,7 +16495,7 @@
           <p:cNvPr id="2" name="Titel 1">
             <a:extLst>
               <a:ext uri="{FF2B5EF4-FFF2-40B4-BE49-F238E27FC236}">
-                <a16:creationId xmlns:a16="http://schemas.microsoft.com/office/drawing/2014/main" id="{A996D036-828B-4C54-A1CD-B34A03F2EDFB}"/>
+                <a16:creationId xmlns="" xmlns:a16="http://schemas.microsoft.com/office/drawing/2014/main" id="{A996D036-828B-4C54-A1CD-B34A03F2EDFB}"/>
               </a:ext>
             </a:extLst>
           </p:cNvPr>
@@ -16435,7 +16523,7 @@
           <p:cNvPr id="7" name="Inhaltsplatzhalter 6">
             <a:extLst>
               <a:ext uri="{FF2B5EF4-FFF2-40B4-BE49-F238E27FC236}">
-                <a16:creationId xmlns:a16="http://schemas.microsoft.com/office/drawing/2014/main" id="{2404817E-8758-44D9-B377-FC0E1F68022B}"/>
+                <a16:creationId xmlns="" xmlns:a16="http://schemas.microsoft.com/office/drawing/2014/main" id="{2404817E-8758-44D9-B377-FC0E1F68022B}"/>
               </a:ext>
             </a:extLst>
           </p:cNvPr>
@@ -16470,7 +16558,7 @@
           <p:cNvPr id="8" name="Inhaltsplatzhalter 6">
             <a:extLst>
               <a:ext uri="{FF2B5EF4-FFF2-40B4-BE49-F238E27FC236}">
-                <a16:creationId xmlns:a16="http://schemas.microsoft.com/office/drawing/2014/main" id="{5A60C4AF-0F58-4DFC-B8DF-880571A5C8EC}"/>
+                <a16:creationId xmlns="" xmlns:a16="http://schemas.microsoft.com/office/drawing/2014/main" id="{5A60C4AF-0F58-4DFC-B8DF-880571A5C8EC}"/>
               </a:ext>
             </a:extLst>
           </p:cNvPr>
@@ -16506,7 +16594,7 @@
           <p:cNvPr id="9" name="Rechteck 8">
             <a:extLst>
               <a:ext uri="{FF2B5EF4-FFF2-40B4-BE49-F238E27FC236}">
-                <a16:creationId xmlns:a16="http://schemas.microsoft.com/office/drawing/2014/main" id="{757CF13F-2A39-4B4A-A161-2AF66B9B7729}"/>
+                <a16:creationId xmlns="" xmlns:a16="http://schemas.microsoft.com/office/drawing/2014/main" id="{757CF13F-2A39-4B4A-A161-2AF66B9B7729}"/>
               </a:ext>
             </a:extLst>
           </p:cNvPr>
@@ -16549,6 +16637,13 @@
   <p:clrMapOvr>
     <a:masterClrMapping/>
   </p:clrMapOvr>
+  <p:timing>
+    <p:tnLst>
+      <p:par>
+        <p:cTn id="1" dur="indefinite" restart="never" nodeType="tmRoot"/>
+      </p:par>
+    </p:tnLst>
+  </p:timing>
 </p:sld>
 </file>
 
@@ -16574,7 +16669,7 @@
           <p:cNvPr id="2" name="Titel 1">
             <a:extLst>
               <a:ext uri="{FF2B5EF4-FFF2-40B4-BE49-F238E27FC236}">
-                <a16:creationId xmlns:a16="http://schemas.microsoft.com/office/drawing/2014/main" id="{792BFAD8-9D47-4166-9A0A-98F4C370B456}"/>
+                <a16:creationId xmlns="" xmlns:a16="http://schemas.microsoft.com/office/drawing/2014/main" id="{792BFAD8-9D47-4166-9A0A-98F4C370B456}"/>
               </a:ext>
             </a:extLst>
           </p:cNvPr>
@@ -16602,7 +16697,7 @@
           <p:cNvPr id="3" name="Inhaltsplatzhalter 2">
             <a:extLst>
               <a:ext uri="{FF2B5EF4-FFF2-40B4-BE49-F238E27FC236}">
-                <a16:creationId xmlns:a16="http://schemas.microsoft.com/office/drawing/2014/main" id="{BEF9AE46-2F00-4A6E-9E99-DDA0D036C5D3}"/>
+                <a16:creationId xmlns="" xmlns:a16="http://schemas.microsoft.com/office/drawing/2014/main" id="{BEF9AE46-2F00-4A6E-9E99-DDA0D036C5D3}"/>
               </a:ext>
             </a:extLst>
           </p:cNvPr>
@@ -16727,6 +16822,13 @@
   <p:clrMapOvr>
     <a:masterClrMapping/>
   </p:clrMapOvr>
+  <p:timing>
+    <p:tnLst>
+      <p:par>
+        <p:cTn id="1" dur="indefinite" restart="never" nodeType="tmRoot"/>
+      </p:par>
+    </p:tnLst>
+  </p:timing>
 </p:sld>
 </file>
 
@@ -16752,7 +16854,7 @@
           <p:cNvPr id="2" name="Titel 1">
             <a:extLst>
               <a:ext uri="{FF2B5EF4-FFF2-40B4-BE49-F238E27FC236}">
-                <a16:creationId xmlns:a16="http://schemas.microsoft.com/office/drawing/2014/main" id="{A996D036-828B-4C54-A1CD-B34A03F2EDFB}"/>
+                <a16:creationId xmlns="" xmlns:a16="http://schemas.microsoft.com/office/drawing/2014/main" id="{A996D036-828B-4C54-A1CD-B34A03F2EDFB}"/>
               </a:ext>
             </a:extLst>
           </p:cNvPr>
@@ -16780,7 +16882,7 @@
           <p:cNvPr id="9" name="Rechteck 8">
             <a:extLst>
               <a:ext uri="{FF2B5EF4-FFF2-40B4-BE49-F238E27FC236}">
-                <a16:creationId xmlns:a16="http://schemas.microsoft.com/office/drawing/2014/main" id="{757CF13F-2A39-4B4A-A161-2AF66B9B7729}"/>
+                <a16:creationId xmlns="" xmlns:a16="http://schemas.microsoft.com/office/drawing/2014/main" id="{757CF13F-2A39-4B4A-A161-2AF66B9B7729}"/>
               </a:ext>
             </a:extLst>
           </p:cNvPr>
@@ -16818,7 +16920,7 @@
           <p:cNvPr id="5" name="Inhaltsplatzhalter 4">
             <a:extLst>
               <a:ext uri="{FF2B5EF4-FFF2-40B4-BE49-F238E27FC236}">
-                <a16:creationId xmlns:a16="http://schemas.microsoft.com/office/drawing/2014/main" id="{985E6325-0D42-4425-BD41-C32CAD1ADBBE}"/>
+                <a16:creationId xmlns="" xmlns:a16="http://schemas.microsoft.com/office/drawing/2014/main" id="{985E6325-0D42-4425-BD41-C32CAD1ADBBE}"/>
               </a:ext>
             </a:extLst>
           </p:cNvPr>
@@ -16848,49 +16950,49 @@
                 <a:gridCol w="795143">
                   <a:extLst>
                     <a:ext uri="{9D8B030D-6E8A-4147-A177-3AD203B41FA5}">
-                      <a16:colId xmlns:a16="http://schemas.microsoft.com/office/drawing/2014/main" val="2542956451"/>
+                      <a16:colId xmlns="" xmlns:a16="http://schemas.microsoft.com/office/drawing/2014/main" val="2542956451"/>
                     </a:ext>
                   </a:extLst>
                 </a:gridCol>
                 <a:gridCol w="1065509">
                   <a:extLst>
                     <a:ext uri="{9D8B030D-6E8A-4147-A177-3AD203B41FA5}">
-                      <a16:colId xmlns:a16="http://schemas.microsoft.com/office/drawing/2014/main" val="2157402119"/>
+                      <a16:colId xmlns="" xmlns:a16="http://schemas.microsoft.com/office/drawing/2014/main" val="2157402119"/>
                     </a:ext>
                   </a:extLst>
                 </a:gridCol>
                 <a:gridCol w="1065509">
                   <a:extLst>
                     <a:ext uri="{9D8B030D-6E8A-4147-A177-3AD203B41FA5}">
-                      <a16:colId xmlns:a16="http://schemas.microsoft.com/office/drawing/2014/main" val="1737510598"/>
+                      <a16:colId xmlns="" xmlns:a16="http://schemas.microsoft.com/office/drawing/2014/main" val="1737510598"/>
                     </a:ext>
                   </a:extLst>
                 </a:gridCol>
                 <a:gridCol w="1065509">
                   <a:extLst>
                     <a:ext uri="{9D8B030D-6E8A-4147-A177-3AD203B41FA5}">
-                      <a16:colId xmlns:a16="http://schemas.microsoft.com/office/drawing/2014/main" val="653924937"/>
+                      <a16:colId xmlns="" xmlns:a16="http://schemas.microsoft.com/office/drawing/2014/main" val="653924937"/>
                     </a:ext>
                   </a:extLst>
                 </a:gridCol>
                 <a:gridCol w="1065509">
                   <a:extLst>
                     <a:ext uri="{9D8B030D-6E8A-4147-A177-3AD203B41FA5}">
-                      <a16:colId xmlns:a16="http://schemas.microsoft.com/office/drawing/2014/main" val="4105919217"/>
+                      <a16:colId xmlns="" xmlns:a16="http://schemas.microsoft.com/office/drawing/2014/main" val="4105919217"/>
                     </a:ext>
                   </a:extLst>
                 </a:gridCol>
                 <a:gridCol w="1065509">
                   <a:extLst>
                     <a:ext uri="{9D8B030D-6E8A-4147-A177-3AD203B41FA5}">
-                      <a16:colId xmlns:a16="http://schemas.microsoft.com/office/drawing/2014/main" val="1972664222"/>
+                      <a16:colId xmlns="" xmlns:a16="http://schemas.microsoft.com/office/drawing/2014/main" val="1972664222"/>
                     </a:ext>
                   </a:extLst>
                 </a:gridCol>
                 <a:gridCol w="1065509">
                   <a:extLst>
                     <a:ext uri="{9D8B030D-6E8A-4147-A177-3AD203B41FA5}">
-                      <a16:colId xmlns:a16="http://schemas.microsoft.com/office/drawing/2014/main" val="2927638354"/>
+                      <a16:colId xmlns="" xmlns:a16="http://schemas.microsoft.com/office/drawing/2014/main" val="2927638354"/>
                     </a:ext>
                   </a:extLst>
                 </a:gridCol>
@@ -17080,7 +17182,7 @@
                 </a:tc>
                 <a:extLst>
                   <a:ext uri="{0D108BD9-81ED-4DB2-BD59-A6C34878D82A}">
-                    <a16:rowId xmlns:a16="http://schemas.microsoft.com/office/drawing/2014/main" val="4131745762"/>
+                    <a16:rowId xmlns="" xmlns:a16="http://schemas.microsoft.com/office/drawing/2014/main" val="4131745762"/>
                   </a:ext>
                 </a:extLst>
               </a:tr>
@@ -17269,7 +17371,7 @@
                 </a:tc>
                 <a:extLst>
                   <a:ext uri="{0D108BD9-81ED-4DB2-BD59-A6C34878D82A}">
-                    <a16:rowId xmlns:a16="http://schemas.microsoft.com/office/drawing/2014/main" val="104479730"/>
+                    <a16:rowId xmlns="" xmlns:a16="http://schemas.microsoft.com/office/drawing/2014/main" val="104479730"/>
                   </a:ext>
                 </a:extLst>
               </a:tr>
@@ -17458,7 +17560,7 @@
                 </a:tc>
                 <a:extLst>
                   <a:ext uri="{0D108BD9-81ED-4DB2-BD59-A6C34878D82A}">
-                    <a16:rowId xmlns:a16="http://schemas.microsoft.com/office/drawing/2014/main" val="3690069656"/>
+                    <a16:rowId xmlns="" xmlns:a16="http://schemas.microsoft.com/office/drawing/2014/main" val="3690069656"/>
                   </a:ext>
                 </a:extLst>
               </a:tr>
@@ -17647,7 +17749,7 @@
                 </a:tc>
                 <a:extLst>
                   <a:ext uri="{0D108BD9-81ED-4DB2-BD59-A6C34878D82A}">
-                    <a16:rowId xmlns:a16="http://schemas.microsoft.com/office/drawing/2014/main" val="3496813964"/>
+                    <a16:rowId xmlns="" xmlns:a16="http://schemas.microsoft.com/office/drawing/2014/main" val="3496813964"/>
                   </a:ext>
                 </a:extLst>
               </a:tr>
@@ -17660,7 +17762,7 @@
           <p:cNvPr id="10" name="Inhaltsplatzhalter 4">
             <a:extLst>
               <a:ext uri="{FF2B5EF4-FFF2-40B4-BE49-F238E27FC236}">
-                <a16:creationId xmlns:a16="http://schemas.microsoft.com/office/drawing/2014/main" id="{DA2F85E2-5058-40C7-A553-E4E7E3C11E28}"/>
+                <a16:creationId xmlns="" xmlns:a16="http://schemas.microsoft.com/office/drawing/2014/main" id="{DA2F85E2-5058-40C7-A553-E4E7E3C11E28}"/>
               </a:ext>
             </a:extLst>
           </p:cNvPr>
@@ -17689,49 +17791,49 @@
                 <a:gridCol w="795144">
                   <a:extLst>
                     <a:ext uri="{9D8B030D-6E8A-4147-A177-3AD203B41FA5}">
-                      <a16:colId xmlns:a16="http://schemas.microsoft.com/office/drawing/2014/main" val="2542956451"/>
+                      <a16:colId xmlns="" xmlns:a16="http://schemas.microsoft.com/office/drawing/2014/main" val="2542956451"/>
                     </a:ext>
                   </a:extLst>
                 </a:gridCol>
                 <a:gridCol w="1065509">
                   <a:extLst>
                     <a:ext uri="{9D8B030D-6E8A-4147-A177-3AD203B41FA5}">
-                      <a16:colId xmlns:a16="http://schemas.microsoft.com/office/drawing/2014/main" val="2157402119"/>
+                      <a16:colId xmlns="" xmlns:a16="http://schemas.microsoft.com/office/drawing/2014/main" val="2157402119"/>
                     </a:ext>
                   </a:extLst>
                 </a:gridCol>
                 <a:gridCol w="1065509">
                   <a:extLst>
                     <a:ext uri="{9D8B030D-6E8A-4147-A177-3AD203B41FA5}">
-                      <a16:colId xmlns:a16="http://schemas.microsoft.com/office/drawing/2014/main" val="1737510598"/>
+                      <a16:colId xmlns="" xmlns:a16="http://schemas.microsoft.com/office/drawing/2014/main" val="1737510598"/>
                     </a:ext>
                   </a:extLst>
                 </a:gridCol>
                 <a:gridCol w="1065509">
                   <a:extLst>
                     <a:ext uri="{9D8B030D-6E8A-4147-A177-3AD203B41FA5}">
-                      <a16:colId xmlns:a16="http://schemas.microsoft.com/office/drawing/2014/main" val="653924937"/>
+                      <a16:colId xmlns="" xmlns:a16="http://schemas.microsoft.com/office/drawing/2014/main" val="653924937"/>
                     </a:ext>
                   </a:extLst>
                 </a:gridCol>
                 <a:gridCol w="1065509">
                   <a:extLst>
                     <a:ext uri="{9D8B030D-6E8A-4147-A177-3AD203B41FA5}">
-                      <a16:colId xmlns:a16="http://schemas.microsoft.com/office/drawing/2014/main" val="4105919217"/>
+                      <a16:colId xmlns="" xmlns:a16="http://schemas.microsoft.com/office/drawing/2014/main" val="4105919217"/>
                     </a:ext>
                   </a:extLst>
                 </a:gridCol>
                 <a:gridCol w="1065509">
                   <a:extLst>
                     <a:ext uri="{9D8B030D-6E8A-4147-A177-3AD203B41FA5}">
-                      <a16:colId xmlns:a16="http://schemas.microsoft.com/office/drawing/2014/main" val="1972664222"/>
+                      <a16:colId xmlns="" xmlns:a16="http://schemas.microsoft.com/office/drawing/2014/main" val="1972664222"/>
                     </a:ext>
                   </a:extLst>
                 </a:gridCol>
                 <a:gridCol w="1065509">
                   <a:extLst>
                     <a:ext uri="{9D8B030D-6E8A-4147-A177-3AD203B41FA5}">
-                      <a16:colId xmlns:a16="http://schemas.microsoft.com/office/drawing/2014/main" val="2927638354"/>
+                      <a16:colId xmlns="" xmlns:a16="http://schemas.microsoft.com/office/drawing/2014/main" val="2927638354"/>
                     </a:ext>
                   </a:extLst>
                 </a:gridCol>
@@ -17921,7 +18023,7 @@
                 </a:tc>
                 <a:extLst>
                   <a:ext uri="{0D108BD9-81ED-4DB2-BD59-A6C34878D82A}">
-                    <a16:rowId xmlns:a16="http://schemas.microsoft.com/office/drawing/2014/main" val="4131745762"/>
+                    <a16:rowId xmlns="" xmlns:a16="http://schemas.microsoft.com/office/drawing/2014/main" val="4131745762"/>
                   </a:ext>
                 </a:extLst>
               </a:tr>
@@ -18110,7 +18212,7 @@
                 </a:tc>
                 <a:extLst>
                   <a:ext uri="{0D108BD9-81ED-4DB2-BD59-A6C34878D82A}">
-                    <a16:rowId xmlns:a16="http://schemas.microsoft.com/office/drawing/2014/main" val="104479730"/>
+                    <a16:rowId xmlns="" xmlns:a16="http://schemas.microsoft.com/office/drawing/2014/main" val="104479730"/>
                   </a:ext>
                 </a:extLst>
               </a:tr>
@@ -18299,7 +18401,7 @@
                 </a:tc>
                 <a:extLst>
                   <a:ext uri="{0D108BD9-81ED-4DB2-BD59-A6C34878D82A}">
-                    <a16:rowId xmlns:a16="http://schemas.microsoft.com/office/drawing/2014/main" val="3690069656"/>
+                    <a16:rowId xmlns="" xmlns:a16="http://schemas.microsoft.com/office/drawing/2014/main" val="3690069656"/>
                   </a:ext>
                 </a:extLst>
               </a:tr>
@@ -18488,7 +18590,7 @@
                 </a:tc>
                 <a:extLst>
                   <a:ext uri="{0D108BD9-81ED-4DB2-BD59-A6C34878D82A}">
-                    <a16:rowId xmlns:a16="http://schemas.microsoft.com/office/drawing/2014/main" val="3496813964"/>
+                    <a16:rowId xmlns="" xmlns:a16="http://schemas.microsoft.com/office/drawing/2014/main" val="3496813964"/>
                   </a:ext>
                 </a:extLst>
               </a:tr>
@@ -18501,7 +18603,7 @@
           <p:cNvPr id="11" name="Rechteck 10">
             <a:extLst>
               <a:ext uri="{FF2B5EF4-FFF2-40B4-BE49-F238E27FC236}">
-                <a16:creationId xmlns:a16="http://schemas.microsoft.com/office/drawing/2014/main" id="{8905B1B2-460E-4FEC-BA38-79740F2F1379}"/>
+                <a16:creationId xmlns="" xmlns:a16="http://schemas.microsoft.com/office/drawing/2014/main" id="{8905B1B2-460E-4FEC-BA38-79740F2F1379}"/>
               </a:ext>
             </a:extLst>
           </p:cNvPr>
@@ -18544,6 +18646,13 @@
   <p:clrMapOvr>
     <a:masterClrMapping/>
   </p:clrMapOvr>
+  <p:timing>
+    <p:tnLst>
+      <p:par>
+        <p:cTn id="1" dur="indefinite" restart="never" nodeType="tmRoot"/>
+      </p:par>
+    </p:tnLst>
+  </p:timing>
 </p:sld>
 </file>
 
@@ -18569,7 +18678,7 @@
           <p:cNvPr id="2" name="Titel 1">
             <a:extLst>
               <a:ext uri="{FF2B5EF4-FFF2-40B4-BE49-F238E27FC236}">
-                <a16:creationId xmlns:a16="http://schemas.microsoft.com/office/drawing/2014/main" id="{FA4D686D-F6F4-4D1F-8496-2ED325553B73}"/>
+                <a16:creationId xmlns="" xmlns:a16="http://schemas.microsoft.com/office/drawing/2014/main" id="{FA4D686D-F6F4-4D1F-8496-2ED325553B73}"/>
               </a:ext>
             </a:extLst>
           </p:cNvPr>
@@ -18597,7 +18706,7 @@
           <p:cNvPr id="3" name="Inhaltsplatzhalter 2">
             <a:extLst>
               <a:ext uri="{FF2B5EF4-FFF2-40B4-BE49-F238E27FC236}">
-                <a16:creationId xmlns:a16="http://schemas.microsoft.com/office/drawing/2014/main" id="{1F460B41-8069-4859-8FBE-B734CD925809}"/>
+                <a16:creationId xmlns="" xmlns:a16="http://schemas.microsoft.com/office/drawing/2014/main" id="{1F460B41-8069-4859-8FBE-B734CD925809}"/>
               </a:ext>
             </a:extLst>
           </p:cNvPr>
@@ -18685,6 +18794,13 @@
   <p:clrMapOvr>
     <a:masterClrMapping/>
   </p:clrMapOvr>
+  <p:timing>
+    <p:tnLst>
+      <p:par>
+        <p:cTn id="1" dur="indefinite" restart="never" nodeType="tmRoot"/>
+      </p:par>
+    </p:tnLst>
+  </p:timing>
 </p:sld>
 </file>
 
@@ -18710,7 +18826,7 @@
           <p:cNvPr id="2" name="Titel 1">
             <a:extLst>
               <a:ext uri="{FF2B5EF4-FFF2-40B4-BE49-F238E27FC236}">
-                <a16:creationId xmlns:a16="http://schemas.microsoft.com/office/drawing/2014/main" id="{A6550DF1-D07A-41E7-AE2C-733B688A1E83}"/>
+                <a16:creationId xmlns="" xmlns:a16="http://schemas.microsoft.com/office/drawing/2014/main" id="{A6550DF1-D07A-41E7-AE2C-733B688A1E83}"/>
               </a:ext>
             </a:extLst>
           </p:cNvPr>
@@ -18738,7 +18854,7 @@
           <p:cNvPr id="3" name="Inhaltsplatzhalter 2">
             <a:extLst>
               <a:ext uri="{FF2B5EF4-FFF2-40B4-BE49-F238E27FC236}">
-                <a16:creationId xmlns:a16="http://schemas.microsoft.com/office/drawing/2014/main" id="{F71945FC-110D-40E7-84DD-8E2B3758EA34}"/>
+                <a16:creationId xmlns="" xmlns:a16="http://schemas.microsoft.com/office/drawing/2014/main" id="{F71945FC-110D-40E7-84DD-8E2B3758EA34}"/>
               </a:ext>
             </a:extLst>
           </p:cNvPr>
@@ -18936,6 +19052,102 @@
   <p:clrMapOvr>
     <a:masterClrMapping/>
   </p:clrMapOvr>
+  <p:timing>
+    <p:tnLst>
+      <p:par>
+        <p:cTn id="1" dur="indefinite" restart="never" nodeType="tmRoot"/>
+      </p:par>
+    </p:tnLst>
+  </p:timing>
+</p:sld>
+</file>
+
+<file path=ppt/slides/slide23.xml><?xml version="1.0" encoding="utf-8"?>
+<p:sld xmlns:a="http://schemas.openxmlformats.org/drawingml/2006/main" xmlns:r="http://schemas.openxmlformats.org/officeDocument/2006/relationships" xmlns:p="http://schemas.openxmlformats.org/presentationml/2006/main">
+  <p:cSld>
+    <p:spTree>
+      <p:nvGrpSpPr>
+        <p:cNvPr id="1" name=""/>
+        <p:cNvGrpSpPr/>
+        <p:nvPr/>
+      </p:nvGrpSpPr>
+      <p:grpSpPr>
+        <a:xfrm>
+          <a:off x="0" y="0"/>
+          <a:ext cx="0" cy="0"/>
+          <a:chOff x="0" y="0"/>
+          <a:chExt cx="0" cy="0"/>
+        </a:xfrm>
+      </p:grpSpPr>
+      <p:sp>
+        <p:nvSpPr>
+          <p:cNvPr id="2" name="Titel 1"/>
+          <p:cNvSpPr>
+            <a:spLocks noGrp="1"/>
+          </p:cNvSpPr>
+          <p:nvPr>
+            <p:ph type="title"/>
+          </p:nvPr>
+        </p:nvSpPr>
+        <p:spPr/>
+        <p:txBody>
+          <a:bodyPr/>
+          <a:lstStyle/>
+          <a:p>
+            <a:r>
+              <a:rPr lang="de-DE" dirty="0" smtClean="0"/>
+              <a:t>Unkonventionelle Annotation</a:t>
+            </a:r>
+            <a:endParaRPr lang="de-DE" dirty="0"/>
+          </a:p>
+        </p:txBody>
+      </p:sp>
+      <p:pic>
+        <p:nvPicPr>
+          <p:cNvPr id="4" name="Inhaltsplatzhalter 3"/>
+          <p:cNvPicPr>
+            <a:picLocks noGrp="1" noChangeAspect="1"/>
+          </p:cNvPicPr>
+          <p:nvPr>
+            <p:ph sz="half" idx="1"/>
+          </p:nvPr>
+        </p:nvPicPr>
+        <p:blipFill>
+          <a:blip r:embed="rId2">
+            <a:extLst>
+              <a:ext uri="{28A0092B-C50C-407E-A947-70E740481C1C}">
+                <a14:useLocalDpi xmlns:a14="http://schemas.microsoft.com/office/drawing/2010/main" val="0"/>
+              </a:ext>
+            </a:extLst>
+          </a:blip>
+          <a:stretch>
+            <a:fillRect/>
+          </a:stretch>
+        </p:blipFill>
+        <p:spPr>
+          <a:xfrm>
+            <a:off x="1331913" y="1693536"/>
+            <a:ext cx="7200900" cy="4478991"/>
+          </a:xfrm>
+        </p:spPr>
+      </p:pic>
+    </p:spTree>
+    <p:extLst>
+      <p:ext uri="{BB962C8B-B14F-4D97-AF65-F5344CB8AC3E}">
+        <p14:creationId xmlns:p14="http://schemas.microsoft.com/office/powerpoint/2010/main" val="1693985978"/>
+      </p:ext>
+    </p:extLst>
+  </p:cSld>
+  <p:clrMapOvr>
+    <a:masterClrMapping/>
+  </p:clrMapOvr>
+  <p:timing>
+    <p:tnLst>
+      <p:par>
+        <p:cTn id="1" dur="indefinite" restart="never" nodeType="tmRoot"/>
+      </p:par>
+    </p:tnLst>
+  </p:timing>
 </p:sld>
 </file>
 
@@ -18961,7 +19173,7 @@
           <p:cNvPr id="2" name="Titel 1">
             <a:extLst>
               <a:ext uri="{FF2B5EF4-FFF2-40B4-BE49-F238E27FC236}">
-                <a16:creationId xmlns:a16="http://schemas.microsoft.com/office/drawing/2014/main" id="{F3E0504E-429A-47F3-8487-3F00A15BD80F}"/>
+                <a16:creationId xmlns="" xmlns:a16="http://schemas.microsoft.com/office/drawing/2014/main" id="{F3E0504E-429A-47F3-8487-3F00A15BD80F}"/>
               </a:ext>
             </a:extLst>
           </p:cNvPr>
@@ -18989,7 +19201,7 @@
           <p:cNvPr id="3" name="Inhaltsplatzhalter 2">
             <a:extLst>
               <a:ext uri="{FF2B5EF4-FFF2-40B4-BE49-F238E27FC236}">
-                <a16:creationId xmlns:a16="http://schemas.microsoft.com/office/drawing/2014/main" id="{B3925642-3965-4909-AAC3-4F94B05E20C2}"/>
+                <a16:creationId xmlns="" xmlns:a16="http://schemas.microsoft.com/office/drawing/2014/main" id="{B3925642-3965-4909-AAC3-4F94B05E20C2}"/>
               </a:ext>
             </a:extLst>
           </p:cNvPr>
@@ -19056,7 +19268,7 @@
           <p:cNvPr id="5" name="Grafik 4">
             <a:extLst>
               <a:ext uri="{FF2B5EF4-FFF2-40B4-BE49-F238E27FC236}">
-                <a16:creationId xmlns:a16="http://schemas.microsoft.com/office/drawing/2014/main" id="{F686565B-D5AA-4796-A5B8-574FEE2CE4D1}"/>
+                <a16:creationId xmlns="" xmlns:a16="http://schemas.microsoft.com/office/drawing/2014/main" id="{F686565B-D5AA-4796-A5B8-574FEE2CE4D1}"/>
               </a:ext>
             </a:extLst>
           </p:cNvPr>
@@ -19092,7 +19304,7 @@
           <p:cNvPr id="6" name="Textfeld 5">
             <a:extLst>
               <a:ext uri="{FF2B5EF4-FFF2-40B4-BE49-F238E27FC236}">
-                <a16:creationId xmlns:a16="http://schemas.microsoft.com/office/drawing/2014/main" id="{A3D06C5F-A332-478A-B02D-775B69FCA4F0}"/>
+                <a16:creationId xmlns="" xmlns:a16="http://schemas.microsoft.com/office/drawing/2014/main" id="{A3D06C5F-A332-478A-B02D-775B69FCA4F0}"/>
               </a:ext>
             </a:extLst>
           </p:cNvPr>
@@ -19141,6 +19353,13 @@
   <p:clrMapOvr>
     <a:masterClrMapping/>
   </p:clrMapOvr>
+  <p:timing>
+    <p:tnLst>
+      <p:par>
+        <p:cTn id="1" dur="indefinite" restart="never" nodeType="tmRoot"/>
+      </p:par>
+    </p:tnLst>
+  </p:timing>
 </p:sld>
 </file>
 
@@ -19166,7 +19385,7 @@
           <p:cNvPr id="2" name="Titel 1">
             <a:extLst>
               <a:ext uri="{FF2B5EF4-FFF2-40B4-BE49-F238E27FC236}">
-                <a16:creationId xmlns:a16="http://schemas.microsoft.com/office/drawing/2014/main" id="{9214EF58-F3AC-4710-A060-3B5D8082547D}"/>
+                <a16:creationId xmlns="" xmlns:a16="http://schemas.microsoft.com/office/drawing/2014/main" id="{9214EF58-F3AC-4710-A060-3B5D8082547D}"/>
               </a:ext>
             </a:extLst>
           </p:cNvPr>
@@ -19194,7 +19413,7 @@
           <p:cNvPr id="3" name="Inhaltsplatzhalter 2">
             <a:extLst>
               <a:ext uri="{FF2B5EF4-FFF2-40B4-BE49-F238E27FC236}">
-                <a16:creationId xmlns:a16="http://schemas.microsoft.com/office/drawing/2014/main" id="{B64BF7C3-19BA-43B3-8A3F-5BEAF58D2E7C}"/>
+                <a16:creationId xmlns="" xmlns:a16="http://schemas.microsoft.com/office/drawing/2014/main" id="{B64BF7C3-19BA-43B3-8A3F-5BEAF58D2E7C}"/>
               </a:ext>
             </a:extLst>
           </p:cNvPr>
@@ -19278,6 +19497,13 @@
   <p:clrMapOvr>
     <a:masterClrMapping/>
   </p:clrMapOvr>
+  <p:timing>
+    <p:tnLst>
+      <p:par>
+        <p:cTn id="1" dur="indefinite" restart="never" nodeType="tmRoot"/>
+      </p:par>
+    </p:tnLst>
+  </p:timing>
 </p:sld>
 </file>
 
@@ -19303,7 +19529,7 @@
           <p:cNvPr id="2" name="Titel 1">
             <a:extLst>
               <a:ext uri="{FF2B5EF4-FFF2-40B4-BE49-F238E27FC236}">
-                <a16:creationId xmlns:a16="http://schemas.microsoft.com/office/drawing/2014/main" id="{5FC62690-9F57-4480-A4AA-B7E194BC309D}"/>
+                <a16:creationId xmlns="" xmlns:a16="http://schemas.microsoft.com/office/drawing/2014/main" id="{5FC62690-9F57-4480-A4AA-B7E194BC309D}"/>
               </a:ext>
             </a:extLst>
           </p:cNvPr>
@@ -19331,7 +19557,7 @@
           <p:cNvPr id="9" name="Rechteck 8">
             <a:extLst>
               <a:ext uri="{FF2B5EF4-FFF2-40B4-BE49-F238E27FC236}">
-                <a16:creationId xmlns:a16="http://schemas.microsoft.com/office/drawing/2014/main" id="{D6242D0E-6A2E-4784-B4EC-68DFAF6A07CA}"/>
+                <a16:creationId xmlns="" xmlns:a16="http://schemas.microsoft.com/office/drawing/2014/main" id="{D6242D0E-6A2E-4784-B4EC-68DFAF6A07CA}"/>
               </a:ext>
             </a:extLst>
           </p:cNvPr>
@@ -19464,6 +19690,13 @@
   <p:clrMapOvr>
     <a:masterClrMapping/>
   </p:clrMapOvr>
+  <p:timing>
+    <p:tnLst>
+      <p:par>
+        <p:cTn id="1" dur="indefinite" restart="never" nodeType="tmRoot"/>
+      </p:par>
+    </p:tnLst>
+  </p:timing>
 </p:sld>
 </file>
 
@@ -19489,7 +19722,7 @@
           <p:cNvPr id="2" name="Titel 1">
             <a:extLst>
               <a:ext uri="{FF2B5EF4-FFF2-40B4-BE49-F238E27FC236}">
-                <a16:creationId xmlns:a16="http://schemas.microsoft.com/office/drawing/2014/main" id="{5FC62690-9F57-4480-A4AA-B7E194BC309D}"/>
+                <a16:creationId xmlns="" xmlns:a16="http://schemas.microsoft.com/office/drawing/2014/main" id="{5FC62690-9F57-4480-A4AA-B7E194BC309D}"/>
               </a:ext>
             </a:extLst>
           </p:cNvPr>
@@ -19517,7 +19750,7 @@
           <p:cNvPr id="4" name="Diagramm 3">
             <a:extLst>
               <a:ext uri="{FF2B5EF4-FFF2-40B4-BE49-F238E27FC236}">
-                <a16:creationId xmlns:a16="http://schemas.microsoft.com/office/drawing/2014/main" id="{763A25E0-2494-4EBE-B633-91BC4329240A}"/>
+                <a16:creationId xmlns="" xmlns:a16="http://schemas.microsoft.com/office/drawing/2014/main" id="{763A25E0-2494-4EBE-B633-91BC4329240A}"/>
               </a:ext>
             </a:extLst>
           </p:cNvPr>
@@ -19545,7 +19778,7 @@
           <p:cNvPr id="5" name="Textfeld 2">
             <a:extLst>
               <a:ext uri="{FF2B5EF4-FFF2-40B4-BE49-F238E27FC236}">
-                <a16:creationId xmlns:a16="http://schemas.microsoft.com/office/drawing/2014/main" id="{DD435C70-3886-4C1F-89B3-653599046772}"/>
+                <a16:creationId xmlns="" xmlns:a16="http://schemas.microsoft.com/office/drawing/2014/main" id="{DD435C70-3886-4C1F-89B3-653599046772}"/>
               </a:ext>
             </a:extLst>
           </p:cNvPr>
@@ -19695,7 +19928,7 @@
           <p:cNvPr id="6" name="Textfeld 2">
             <a:extLst>
               <a:ext uri="{FF2B5EF4-FFF2-40B4-BE49-F238E27FC236}">
-                <a16:creationId xmlns:a16="http://schemas.microsoft.com/office/drawing/2014/main" id="{E00F6BB9-FF60-45BB-858B-58503BFAFD68}"/>
+                <a16:creationId xmlns="" xmlns:a16="http://schemas.microsoft.com/office/drawing/2014/main" id="{E00F6BB9-FF60-45BB-858B-58503BFAFD68}"/>
               </a:ext>
             </a:extLst>
           </p:cNvPr>
@@ -19776,7 +20009,7 @@
           <p:cNvPr id="7" name="Textfeld 2">
             <a:extLst>
               <a:ext uri="{FF2B5EF4-FFF2-40B4-BE49-F238E27FC236}">
-                <a16:creationId xmlns:a16="http://schemas.microsoft.com/office/drawing/2014/main" id="{783C982D-9F9E-42CA-93E3-25E524545367}"/>
+                <a16:creationId xmlns="" xmlns:a16="http://schemas.microsoft.com/office/drawing/2014/main" id="{783C982D-9F9E-42CA-93E3-25E524545367}"/>
               </a:ext>
             </a:extLst>
           </p:cNvPr>
@@ -19891,7 +20124,7 @@
           <p:cNvPr id="8" name="Textfeld 2">
             <a:extLst>
               <a:ext uri="{FF2B5EF4-FFF2-40B4-BE49-F238E27FC236}">
-                <a16:creationId xmlns:a16="http://schemas.microsoft.com/office/drawing/2014/main" id="{F3F6A1F3-CAE7-4518-A6C5-6FE57F2144A7}"/>
+                <a16:creationId xmlns="" xmlns:a16="http://schemas.microsoft.com/office/drawing/2014/main" id="{F3F6A1F3-CAE7-4518-A6C5-6FE57F2144A7}"/>
               </a:ext>
             </a:extLst>
           </p:cNvPr>
@@ -19972,7 +20205,7 @@
           <p:cNvPr id="9" name="Rechteck 8">
             <a:extLst>
               <a:ext uri="{FF2B5EF4-FFF2-40B4-BE49-F238E27FC236}">
-                <a16:creationId xmlns:a16="http://schemas.microsoft.com/office/drawing/2014/main" id="{D6242D0E-6A2E-4784-B4EC-68DFAF6A07CA}"/>
+                <a16:creationId xmlns="" xmlns:a16="http://schemas.microsoft.com/office/drawing/2014/main" id="{D6242D0E-6A2E-4784-B4EC-68DFAF6A07CA}"/>
               </a:ext>
             </a:extLst>
           </p:cNvPr>
@@ -20014,7 +20247,7 @@
           <p:cNvPr id="10" name="Rechteck 9">
             <a:extLst>
               <a:ext uri="{FF2B5EF4-FFF2-40B4-BE49-F238E27FC236}">
-                <a16:creationId xmlns:a16="http://schemas.microsoft.com/office/drawing/2014/main" id="{67953A53-F73A-4E57-9B0B-6362319F4FD0}"/>
+                <a16:creationId xmlns="" xmlns:a16="http://schemas.microsoft.com/office/drawing/2014/main" id="{67953A53-F73A-4E57-9B0B-6362319F4FD0}"/>
               </a:ext>
             </a:extLst>
           </p:cNvPr>
@@ -20061,6 +20294,13 @@
   <p:clrMapOvr>
     <a:masterClrMapping/>
   </p:clrMapOvr>
+  <p:timing>
+    <p:tnLst>
+      <p:par>
+        <p:cTn id="1" dur="indefinite" restart="never" nodeType="tmRoot"/>
+      </p:par>
+    </p:tnLst>
+  </p:timing>
 </p:sld>
 </file>
 
@@ -20086,7 +20326,7 @@
           <p:cNvPr id="2" name="Titel 1">
             <a:extLst>
               <a:ext uri="{FF2B5EF4-FFF2-40B4-BE49-F238E27FC236}">
-                <a16:creationId xmlns:a16="http://schemas.microsoft.com/office/drawing/2014/main" id="{7A7627C8-0AC7-40CF-9A79-55BDD0AF4534}"/>
+                <a16:creationId xmlns="" xmlns:a16="http://schemas.microsoft.com/office/drawing/2014/main" id="{7A7627C8-0AC7-40CF-9A79-55BDD0AF4534}"/>
               </a:ext>
             </a:extLst>
           </p:cNvPr>
@@ -20114,7 +20354,7 @@
           <p:cNvPr id="3" name="Inhaltsplatzhalter 2">
             <a:extLst>
               <a:ext uri="{FF2B5EF4-FFF2-40B4-BE49-F238E27FC236}">
-                <a16:creationId xmlns:a16="http://schemas.microsoft.com/office/drawing/2014/main" id="{CCAC6017-7C47-4406-9FBB-3466FFB4B74B}"/>
+                <a16:creationId xmlns="" xmlns:a16="http://schemas.microsoft.com/office/drawing/2014/main" id="{CCAC6017-7C47-4406-9FBB-3466FFB4B74B}"/>
               </a:ext>
             </a:extLst>
           </p:cNvPr>
@@ -20137,8 +20377,13 @@
             </a:pPr>
             <a:r>
               <a:rPr lang="de-DE" sz="1800" u="sng" dirty="0"/>
-              <a:t>Objektive Komplexität :</a:t>
-            </a:r>
+              <a:t>Objektive </a:t>
+            </a:r>
+            <a:r>
+              <a:rPr lang="de-DE" sz="1800" u="sng" dirty="0" smtClean="0"/>
+              <a:t>Komplexität:</a:t>
+            </a:r>
+            <a:endParaRPr lang="de-DE" sz="1800" u="sng" dirty="0"/>
           </a:p>
           <a:p>
             <a:pPr marL="0" indent="0">
@@ -20249,6 +20494,13 @@
   <p:clrMapOvr>
     <a:masterClrMapping/>
   </p:clrMapOvr>
+  <p:timing>
+    <p:tnLst>
+      <p:par>
+        <p:cTn id="1" dur="indefinite" restart="never" nodeType="tmRoot"/>
+      </p:par>
+    </p:tnLst>
+  </p:timing>
 </p:sld>
 </file>
 
@@ -20274,7 +20526,7 @@
           <p:cNvPr id="2" name="Titel 1">
             <a:extLst>
               <a:ext uri="{FF2B5EF4-FFF2-40B4-BE49-F238E27FC236}">
-                <a16:creationId xmlns:a16="http://schemas.microsoft.com/office/drawing/2014/main" id="{C107A467-0072-49D9-A076-35BE5FA38DD5}"/>
+                <a16:creationId xmlns="" xmlns:a16="http://schemas.microsoft.com/office/drawing/2014/main" id="{C107A467-0072-49D9-A076-35BE5FA38DD5}"/>
               </a:ext>
             </a:extLst>
           </p:cNvPr>
@@ -20302,7 +20554,7 @@
           <p:cNvPr id="5" name="Inhaltsplatzhalter 4">
             <a:extLst>
               <a:ext uri="{FF2B5EF4-FFF2-40B4-BE49-F238E27FC236}">
-                <a16:creationId xmlns:a16="http://schemas.microsoft.com/office/drawing/2014/main" id="{48046BC9-A071-44C1-96A6-ACAA7AFB514C}"/>
+                <a16:creationId xmlns="" xmlns:a16="http://schemas.microsoft.com/office/drawing/2014/main" id="{48046BC9-A071-44C1-96A6-ACAA7AFB514C}"/>
               </a:ext>
             </a:extLst>
           </p:cNvPr>
@@ -20337,7 +20589,7 @@
           <p:cNvPr id="6" name="Ellipse 5">
             <a:extLst>
               <a:ext uri="{FF2B5EF4-FFF2-40B4-BE49-F238E27FC236}">
-                <a16:creationId xmlns:a16="http://schemas.microsoft.com/office/drawing/2014/main" id="{EBA2555F-8F78-48EF-8CC1-5D42FA4AD1DC}"/>
+                <a16:creationId xmlns="" xmlns:a16="http://schemas.microsoft.com/office/drawing/2014/main" id="{EBA2555F-8F78-48EF-8CC1-5D42FA4AD1DC}"/>
               </a:ext>
             </a:extLst>
           </p:cNvPr>
@@ -20389,7 +20641,7 @@
           <p:cNvPr id="7" name="Ellipse 6">
             <a:extLst>
               <a:ext uri="{FF2B5EF4-FFF2-40B4-BE49-F238E27FC236}">
-                <a16:creationId xmlns:a16="http://schemas.microsoft.com/office/drawing/2014/main" id="{ED53DD45-1E5A-4EFB-BFF1-441EB93FA38F}"/>
+                <a16:creationId xmlns="" xmlns:a16="http://schemas.microsoft.com/office/drawing/2014/main" id="{ED53DD45-1E5A-4EFB-BFF1-441EB93FA38F}"/>
               </a:ext>
             </a:extLst>
           </p:cNvPr>
@@ -20441,7 +20693,7 @@
           <p:cNvPr id="8" name="Ellipse 7">
             <a:extLst>
               <a:ext uri="{FF2B5EF4-FFF2-40B4-BE49-F238E27FC236}">
-                <a16:creationId xmlns:a16="http://schemas.microsoft.com/office/drawing/2014/main" id="{CC42C448-856B-40DC-BBCF-6C51CF995A43}"/>
+                <a16:creationId xmlns="" xmlns:a16="http://schemas.microsoft.com/office/drawing/2014/main" id="{CC42C448-856B-40DC-BBCF-6C51CF995A43}"/>
               </a:ext>
             </a:extLst>
           </p:cNvPr>
@@ -20498,6 +20750,13 @@
   <p:clrMapOvr>
     <a:masterClrMapping/>
   </p:clrMapOvr>
+  <p:timing>
+    <p:tnLst>
+      <p:par>
+        <p:cTn id="1" dur="indefinite" restart="never" nodeType="tmRoot"/>
+      </p:par>
+    </p:tnLst>
+  </p:timing>
 </p:sld>
 </file>
 
@@ -20523,7 +20782,7 @@
           <p:cNvPr id="2" name="Titel 1">
             <a:extLst>
               <a:ext uri="{FF2B5EF4-FFF2-40B4-BE49-F238E27FC236}">
-                <a16:creationId xmlns:a16="http://schemas.microsoft.com/office/drawing/2014/main" id="{77554CD8-D6DD-4B01-B4D4-DD2EE43A3E70}"/>
+                <a16:creationId xmlns="" xmlns:a16="http://schemas.microsoft.com/office/drawing/2014/main" id="{77554CD8-D6DD-4B01-B4D4-DD2EE43A3E70}"/>
               </a:ext>
             </a:extLst>
           </p:cNvPr>
@@ -20551,7 +20810,7 @@
           <p:cNvPr id="4" name="Inhaltsplatzhalter 3">
             <a:extLst>
               <a:ext uri="{FF2B5EF4-FFF2-40B4-BE49-F238E27FC236}">
-                <a16:creationId xmlns:a16="http://schemas.microsoft.com/office/drawing/2014/main" id="{9A24126F-26E5-44D2-A858-A5F067431216}"/>
+                <a16:creationId xmlns="" xmlns:a16="http://schemas.microsoft.com/office/drawing/2014/main" id="{9A24126F-26E5-44D2-A858-A5F067431216}"/>
               </a:ext>
             </a:extLst>
           </p:cNvPr>
@@ -20581,21 +20840,21 @@
                 <a:gridCol w="2395780">
                   <a:extLst>
                     <a:ext uri="{9D8B030D-6E8A-4147-A177-3AD203B41FA5}">
-                      <a16:colId xmlns:a16="http://schemas.microsoft.com/office/drawing/2014/main" val="390828943"/>
+                      <a16:colId xmlns="" xmlns:a16="http://schemas.microsoft.com/office/drawing/2014/main" val="390828943"/>
                     </a:ext>
                   </a:extLst>
                 </a:gridCol>
                 <a:gridCol w="2396210">
                   <a:extLst>
                     <a:ext uri="{9D8B030D-6E8A-4147-A177-3AD203B41FA5}">
-                      <a16:colId xmlns:a16="http://schemas.microsoft.com/office/drawing/2014/main" val="741344599"/>
+                      <a16:colId xmlns="" xmlns:a16="http://schemas.microsoft.com/office/drawing/2014/main" val="741344599"/>
                     </a:ext>
                   </a:extLst>
                 </a:gridCol>
                 <a:gridCol w="2396210">
                   <a:extLst>
                     <a:ext uri="{9D8B030D-6E8A-4147-A177-3AD203B41FA5}">
-                      <a16:colId xmlns:a16="http://schemas.microsoft.com/office/drawing/2014/main" val="3029776852"/>
+                      <a16:colId xmlns="" xmlns:a16="http://schemas.microsoft.com/office/drawing/2014/main" val="3029776852"/>
                     </a:ext>
                   </a:extLst>
                 </a:gridCol>
@@ -20711,7 +20970,7 @@
                 </a:tc>
                 <a:extLst>
                   <a:ext uri="{0D108BD9-81ED-4DB2-BD59-A6C34878D82A}">
-                    <a16:rowId xmlns:a16="http://schemas.microsoft.com/office/drawing/2014/main" val="3168225609"/>
+                    <a16:rowId xmlns="" xmlns:a16="http://schemas.microsoft.com/office/drawing/2014/main" val="3168225609"/>
                   </a:ext>
                 </a:extLst>
               </a:tr>
@@ -20853,7 +21112,7 @@
                 </a:tc>
                 <a:extLst>
                   <a:ext uri="{0D108BD9-81ED-4DB2-BD59-A6C34878D82A}">
-                    <a16:rowId xmlns:a16="http://schemas.microsoft.com/office/drawing/2014/main" val="535138462"/>
+                    <a16:rowId xmlns="" xmlns:a16="http://schemas.microsoft.com/office/drawing/2014/main" val="535138462"/>
                   </a:ext>
                 </a:extLst>
               </a:tr>
@@ -20997,7 +21256,7 @@
                 </a:tc>
                 <a:extLst>
                   <a:ext uri="{0D108BD9-81ED-4DB2-BD59-A6C34878D82A}">
-                    <a16:rowId xmlns:a16="http://schemas.microsoft.com/office/drawing/2014/main" val="4179841275"/>
+                    <a16:rowId xmlns="" xmlns:a16="http://schemas.microsoft.com/office/drawing/2014/main" val="4179841275"/>
                   </a:ext>
                 </a:extLst>
               </a:tr>
@@ -21139,7 +21398,7 @@
                 </a:tc>
                 <a:extLst>
                   <a:ext uri="{0D108BD9-81ED-4DB2-BD59-A6C34878D82A}">
-                    <a16:rowId xmlns:a16="http://schemas.microsoft.com/office/drawing/2014/main" val="2598509431"/>
+                    <a16:rowId xmlns="" xmlns:a16="http://schemas.microsoft.com/office/drawing/2014/main" val="2598509431"/>
                   </a:ext>
                 </a:extLst>
               </a:tr>
@@ -21282,7 +21541,7 @@
                 </a:tc>
                 <a:extLst>
                   <a:ext uri="{0D108BD9-81ED-4DB2-BD59-A6C34878D82A}">
-                    <a16:rowId xmlns:a16="http://schemas.microsoft.com/office/drawing/2014/main" val="2547190621"/>
+                    <a16:rowId xmlns="" xmlns:a16="http://schemas.microsoft.com/office/drawing/2014/main" val="2547190621"/>
                   </a:ext>
                 </a:extLst>
               </a:tr>
@@ -21425,7 +21684,7 @@
                 </a:tc>
                 <a:extLst>
                   <a:ext uri="{0D108BD9-81ED-4DB2-BD59-A6C34878D82A}">
-                    <a16:rowId xmlns:a16="http://schemas.microsoft.com/office/drawing/2014/main" val="2392652198"/>
+                    <a16:rowId xmlns="" xmlns:a16="http://schemas.microsoft.com/office/drawing/2014/main" val="2392652198"/>
                   </a:ext>
                 </a:extLst>
               </a:tr>
@@ -21567,7 +21826,7 @@
                 </a:tc>
                 <a:extLst>
                   <a:ext uri="{0D108BD9-81ED-4DB2-BD59-A6C34878D82A}">
-                    <a16:rowId xmlns:a16="http://schemas.microsoft.com/office/drawing/2014/main" val="1646934456"/>
+                    <a16:rowId xmlns="" xmlns:a16="http://schemas.microsoft.com/office/drawing/2014/main" val="1646934456"/>
                   </a:ext>
                 </a:extLst>
               </a:tr>
@@ -21711,7 +21970,7 @@
                 </a:tc>
                 <a:extLst>
                   <a:ext uri="{0D108BD9-81ED-4DB2-BD59-A6C34878D82A}">
-                    <a16:rowId xmlns:a16="http://schemas.microsoft.com/office/drawing/2014/main" val="192765524"/>
+                    <a16:rowId xmlns="" xmlns:a16="http://schemas.microsoft.com/office/drawing/2014/main" val="192765524"/>
                   </a:ext>
                 </a:extLst>
               </a:tr>
@@ -21853,7 +22112,7 @@
                 </a:tc>
                 <a:extLst>
                   <a:ext uri="{0D108BD9-81ED-4DB2-BD59-A6C34878D82A}">
-                    <a16:rowId xmlns:a16="http://schemas.microsoft.com/office/drawing/2014/main" val="3850240794"/>
+                    <a16:rowId xmlns="" xmlns:a16="http://schemas.microsoft.com/office/drawing/2014/main" val="3850240794"/>
                   </a:ext>
                 </a:extLst>
               </a:tr>
@@ -21996,7 +22255,7 @@
                 </a:tc>
                 <a:extLst>
                   <a:ext uri="{0D108BD9-81ED-4DB2-BD59-A6C34878D82A}">
-                    <a16:rowId xmlns:a16="http://schemas.microsoft.com/office/drawing/2014/main" val="2708857846"/>
+                    <a16:rowId xmlns="" xmlns:a16="http://schemas.microsoft.com/office/drawing/2014/main" val="2708857846"/>
                   </a:ext>
                 </a:extLst>
               </a:tr>
@@ -22138,7 +22397,7 @@
                 </a:tc>
                 <a:extLst>
                   <a:ext uri="{0D108BD9-81ED-4DB2-BD59-A6C34878D82A}">
-                    <a16:rowId xmlns:a16="http://schemas.microsoft.com/office/drawing/2014/main" val="4270186684"/>
+                    <a16:rowId xmlns="" xmlns:a16="http://schemas.microsoft.com/office/drawing/2014/main" val="4270186684"/>
                   </a:ext>
                 </a:extLst>
               </a:tr>
@@ -22280,7 +22539,7 @@
                 </a:tc>
                 <a:extLst>
                   <a:ext uri="{0D108BD9-81ED-4DB2-BD59-A6C34878D82A}">
-                    <a16:rowId xmlns:a16="http://schemas.microsoft.com/office/drawing/2014/main" val="574109779"/>
+                    <a16:rowId xmlns="" xmlns:a16="http://schemas.microsoft.com/office/drawing/2014/main" val="574109779"/>
                   </a:ext>
                 </a:extLst>
               </a:tr>
@@ -22396,7 +22655,7 @@
                 </a:tc>
                 <a:extLst>
                   <a:ext uri="{0D108BD9-81ED-4DB2-BD59-A6C34878D82A}">
-                    <a16:rowId xmlns:a16="http://schemas.microsoft.com/office/drawing/2014/main" val="4112545188"/>
+                    <a16:rowId xmlns="" xmlns:a16="http://schemas.microsoft.com/office/drawing/2014/main" val="4112545188"/>
                   </a:ext>
                 </a:extLst>
               </a:tr>
@@ -22409,7 +22668,7 @@
           <p:cNvPr id="5" name="Rechteck 4">
             <a:extLst>
               <a:ext uri="{FF2B5EF4-FFF2-40B4-BE49-F238E27FC236}">
-                <a16:creationId xmlns:a16="http://schemas.microsoft.com/office/drawing/2014/main" id="{277FDB32-78A2-4845-8CFB-39E226A3C000}"/>
+                <a16:creationId xmlns="" xmlns:a16="http://schemas.microsoft.com/office/drawing/2014/main" id="{277FDB32-78A2-4845-8CFB-39E226A3C000}"/>
               </a:ext>
             </a:extLst>
           </p:cNvPr>
@@ -22452,6 +22711,13 @@
   <p:clrMapOvr>
     <a:masterClrMapping/>
   </p:clrMapOvr>
+  <p:timing>
+    <p:tnLst>
+      <p:par>
+        <p:cTn id="1" dur="indefinite" restart="never" nodeType="tmRoot"/>
+      </p:par>
+    </p:tnLst>
+  </p:timing>
 </p:sld>
 </file>
 
